--- a/Term1 Computer Vision and Deep Learning/history.pptx
+++ b/Term1 Computer Vision and Deep Learning/history.pptx
@@ -77,8 +77,8 @@
         </p:nvSpPr>
         <p:spPr>
           <a:xfrm>
-            <a:off x="720000" y="300960"/>
-            <a:ext cx="8855280" cy="1262160"/>
+            <a:off x="504000" y="301320"/>
+            <a:ext cx="9072000" cy="1261800"/>
           </a:xfrm>
           <a:prstGeom prst="rect">
             <a:avLst/>
@@ -106,8 +106,8 @@
         </p:nvSpPr>
         <p:spPr>
           <a:xfrm>
-            <a:off x="720000" y="2160000"/>
-            <a:ext cx="8639640" cy="2091240"/>
+            <a:off x="504000" y="1768680"/>
+            <a:ext cx="9072000" cy="2090880"/>
           </a:xfrm>
           <a:prstGeom prst="rect">
             <a:avLst/>
@@ -136,8 +136,8 @@
         </p:nvSpPr>
         <p:spPr>
           <a:xfrm>
-            <a:off x="720000" y="4450320"/>
-            <a:ext cx="8639640" cy="2091240"/>
+            <a:off x="504000" y="4058640"/>
+            <a:ext cx="9072000" cy="2090880"/>
           </a:xfrm>
           <a:prstGeom prst="rect">
             <a:avLst/>
@@ -188,8 +188,8 @@
         </p:nvSpPr>
         <p:spPr>
           <a:xfrm>
-            <a:off x="720000" y="300960"/>
-            <a:ext cx="8855280" cy="1262160"/>
+            <a:off x="504000" y="301320"/>
+            <a:ext cx="9072000" cy="1261800"/>
           </a:xfrm>
           <a:prstGeom prst="rect">
             <a:avLst/>
@@ -217,8 +217,8 @@
         </p:nvSpPr>
         <p:spPr>
           <a:xfrm>
-            <a:off x="720000" y="2160000"/>
-            <a:ext cx="4215960" cy="2091240"/>
+            <a:off x="504000" y="1768680"/>
+            <a:ext cx="4426920" cy="2090880"/>
           </a:xfrm>
           <a:prstGeom prst="rect">
             <a:avLst/>
@@ -247,8 +247,8 @@
         </p:nvSpPr>
         <p:spPr>
           <a:xfrm>
-            <a:off x="5147280" y="2160000"/>
-            <a:ext cx="4215960" cy="2091240"/>
+            <a:off x="5152680" y="1768680"/>
+            <a:ext cx="4426920" cy="2090880"/>
           </a:xfrm>
           <a:prstGeom prst="rect">
             <a:avLst/>
@@ -277,8 +277,8 @@
         </p:nvSpPr>
         <p:spPr>
           <a:xfrm>
-            <a:off x="5147280" y="4450320"/>
-            <a:ext cx="4215960" cy="2091240"/>
+            <a:off x="5152680" y="4058640"/>
+            <a:ext cx="4426920" cy="2090880"/>
           </a:xfrm>
           <a:prstGeom prst="rect">
             <a:avLst/>
@@ -307,8 +307,8 @@
         </p:nvSpPr>
         <p:spPr>
           <a:xfrm>
-            <a:off x="720000" y="4450320"/>
-            <a:ext cx="4215960" cy="2091240"/>
+            <a:off x="504000" y="4058640"/>
+            <a:ext cx="4426920" cy="2090880"/>
           </a:xfrm>
           <a:prstGeom prst="rect">
             <a:avLst/>
@@ -359,8 +359,8 @@
         </p:nvSpPr>
         <p:spPr>
           <a:xfrm>
-            <a:off x="720000" y="300960"/>
-            <a:ext cx="8855280" cy="1262160"/>
+            <a:off x="504000" y="301320"/>
+            <a:ext cx="9072000" cy="1261800"/>
           </a:xfrm>
           <a:prstGeom prst="rect">
             <a:avLst/>
@@ -388,8 +388,8 @@
         </p:nvSpPr>
         <p:spPr>
           <a:xfrm>
-            <a:off x="720000" y="2160000"/>
-            <a:ext cx="2781720" cy="2091240"/>
+            <a:off x="504000" y="1768680"/>
+            <a:ext cx="2921040" cy="2090880"/>
           </a:xfrm>
           <a:prstGeom prst="rect">
             <a:avLst/>
@@ -418,8 +418,8 @@
         </p:nvSpPr>
         <p:spPr>
           <a:xfrm>
-            <a:off x="3641040" y="2160000"/>
-            <a:ext cx="2781720" cy="2091240"/>
+            <a:off x="3571560" y="1768680"/>
+            <a:ext cx="2921040" cy="2090880"/>
           </a:xfrm>
           <a:prstGeom prst="rect">
             <a:avLst/>
@@ -448,8 +448,8 @@
         </p:nvSpPr>
         <p:spPr>
           <a:xfrm>
-            <a:off x="6562440" y="2160000"/>
-            <a:ext cx="2781720" cy="2091240"/>
+            <a:off x="6639120" y="1768680"/>
+            <a:ext cx="2921040" cy="2090880"/>
           </a:xfrm>
           <a:prstGeom prst="rect">
             <a:avLst/>
@@ -478,8 +478,8 @@
         </p:nvSpPr>
         <p:spPr>
           <a:xfrm>
-            <a:off x="6562440" y="4450320"/>
-            <a:ext cx="2781720" cy="2091240"/>
+            <a:off x="6639120" y="4058640"/>
+            <a:ext cx="2921040" cy="2090880"/>
           </a:xfrm>
           <a:prstGeom prst="rect">
             <a:avLst/>
@@ -508,8 +508,8 @@
         </p:nvSpPr>
         <p:spPr>
           <a:xfrm>
-            <a:off x="3641040" y="4450320"/>
-            <a:ext cx="2781720" cy="2091240"/>
+            <a:off x="3571560" y="4058640"/>
+            <a:ext cx="2921040" cy="2090880"/>
           </a:xfrm>
           <a:prstGeom prst="rect">
             <a:avLst/>
@@ -538,8 +538,8 @@
         </p:nvSpPr>
         <p:spPr>
           <a:xfrm>
-            <a:off x="720000" y="4450320"/>
-            <a:ext cx="2781720" cy="2091240"/>
+            <a:off x="504000" y="4058640"/>
+            <a:ext cx="2921040" cy="2090880"/>
           </a:xfrm>
           <a:prstGeom prst="rect">
             <a:avLst/>
@@ -612,8 +612,8 @@
         </p:nvSpPr>
         <p:spPr>
           <a:xfrm>
-            <a:off x="720000" y="300960"/>
-            <a:ext cx="8855280" cy="1262160"/>
+            <a:off x="504000" y="301320"/>
+            <a:ext cx="9072000" cy="1261800"/>
           </a:xfrm>
           <a:prstGeom prst="rect">
             <a:avLst/>
@@ -641,8 +641,8 @@
         </p:nvSpPr>
         <p:spPr>
           <a:xfrm>
-            <a:off x="720000" y="2160000"/>
-            <a:ext cx="8639640" cy="4384440"/>
+            <a:off x="504000" y="1768680"/>
+            <a:ext cx="9072000" cy="4384080"/>
           </a:xfrm>
           <a:prstGeom prst="rect">
             <a:avLst/>
@@ -692,8 +692,8 @@
         </p:nvSpPr>
         <p:spPr>
           <a:xfrm>
-            <a:off x="720000" y="300960"/>
-            <a:ext cx="8855280" cy="1262160"/>
+            <a:off x="504000" y="301320"/>
+            <a:ext cx="9072000" cy="1261800"/>
           </a:xfrm>
           <a:prstGeom prst="rect">
             <a:avLst/>
@@ -721,8 +721,8 @@
         </p:nvSpPr>
         <p:spPr>
           <a:xfrm>
-            <a:off x="720000" y="2160000"/>
-            <a:ext cx="8639640" cy="4384440"/>
+            <a:off x="504000" y="1768680"/>
+            <a:ext cx="9072000" cy="4384080"/>
           </a:xfrm>
           <a:prstGeom prst="rect">
             <a:avLst/>
@@ -773,8 +773,8 @@
         </p:nvSpPr>
         <p:spPr>
           <a:xfrm>
-            <a:off x="720000" y="300960"/>
-            <a:ext cx="8855280" cy="1262160"/>
+            <a:off x="504000" y="301320"/>
+            <a:ext cx="9072000" cy="1261800"/>
           </a:xfrm>
           <a:prstGeom prst="rect">
             <a:avLst/>
@@ -802,8 +802,8 @@
         </p:nvSpPr>
         <p:spPr>
           <a:xfrm>
-            <a:off x="720000" y="2160000"/>
-            <a:ext cx="4215960" cy="4384440"/>
+            <a:off x="504000" y="1768680"/>
+            <a:ext cx="4426920" cy="4384080"/>
           </a:xfrm>
           <a:prstGeom prst="rect">
             <a:avLst/>
@@ -832,8 +832,8 @@
         </p:nvSpPr>
         <p:spPr>
           <a:xfrm>
-            <a:off x="5147280" y="2160000"/>
-            <a:ext cx="4215960" cy="4384440"/>
+            <a:off x="5152680" y="1768680"/>
+            <a:ext cx="4426920" cy="4384080"/>
           </a:xfrm>
           <a:prstGeom prst="rect">
             <a:avLst/>
@@ -884,8 +884,8 @@
         </p:nvSpPr>
         <p:spPr>
           <a:xfrm>
-            <a:off x="720000" y="300960"/>
-            <a:ext cx="8855280" cy="1262160"/>
+            <a:off x="504000" y="301320"/>
+            <a:ext cx="9072000" cy="1261800"/>
           </a:xfrm>
           <a:prstGeom prst="rect">
             <a:avLst/>
@@ -935,8 +935,8 @@
         </p:nvSpPr>
         <p:spPr>
           <a:xfrm>
-            <a:off x="720000" y="300960"/>
-            <a:ext cx="8855280" cy="5851800"/>
+            <a:off x="504000" y="301320"/>
+            <a:ext cx="9072000" cy="5850360"/>
           </a:xfrm>
           <a:prstGeom prst="rect">
             <a:avLst/>
@@ -986,8 +986,8 @@
         </p:nvSpPr>
         <p:spPr>
           <a:xfrm>
-            <a:off x="720000" y="300960"/>
-            <a:ext cx="8855280" cy="1262160"/>
+            <a:off x="504000" y="301320"/>
+            <a:ext cx="9072000" cy="1261800"/>
           </a:xfrm>
           <a:prstGeom prst="rect">
             <a:avLst/>
@@ -1015,8 +1015,8 @@
         </p:nvSpPr>
         <p:spPr>
           <a:xfrm>
-            <a:off x="720000" y="2160000"/>
-            <a:ext cx="4215960" cy="2091240"/>
+            <a:off x="504000" y="1768680"/>
+            <a:ext cx="4426920" cy="2090880"/>
           </a:xfrm>
           <a:prstGeom prst="rect">
             <a:avLst/>
@@ -1045,8 +1045,8 @@
         </p:nvSpPr>
         <p:spPr>
           <a:xfrm>
-            <a:off x="720000" y="4450320"/>
-            <a:ext cx="4215960" cy="2091240"/>
+            <a:off x="504000" y="4058640"/>
+            <a:ext cx="4426920" cy="2090880"/>
           </a:xfrm>
           <a:prstGeom prst="rect">
             <a:avLst/>
@@ -1075,8 +1075,8 @@
         </p:nvSpPr>
         <p:spPr>
           <a:xfrm>
-            <a:off x="5147280" y="2160000"/>
-            <a:ext cx="4215960" cy="4384440"/>
+            <a:off x="5152680" y="1768680"/>
+            <a:ext cx="4426920" cy="4384080"/>
           </a:xfrm>
           <a:prstGeom prst="rect">
             <a:avLst/>
@@ -1127,8 +1127,8 @@
         </p:nvSpPr>
         <p:spPr>
           <a:xfrm>
-            <a:off x="720000" y="300960"/>
-            <a:ext cx="8855280" cy="1262160"/>
+            <a:off x="504000" y="301320"/>
+            <a:ext cx="9072000" cy="1261800"/>
           </a:xfrm>
           <a:prstGeom prst="rect">
             <a:avLst/>
@@ -1156,8 +1156,8 @@
         </p:nvSpPr>
         <p:spPr>
           <a:xfrm>
-            <a:off x="720000" y="2160000"/>
-            <a:ext cx="8639640" cy="4384440"/>
+            <a:off x="504000" y="1768680"/>
+            <a:ext cx="9072000" cy="4384080"/>
           </a:xfrm>
           <a:prstGeom prst="rect">
             <a:avLst/>
@@ -1207,8 +1207,8 @@
         </p:nvSpPr>
         <p:spPr>
           <a:xfrm>
-            <a:off x="720000" y="300960"/>
-            <a:ext cx="8855280" cy="1262160"/>
+            <a:off x="504000" y="301320"/>
+            <a:ext cx="9072000" cy="1261800"/>
           </a:xfrm>
           <a:prstGeom prst="rect">
             <a:avLst/>
@@ -1236,8 +1236,8 @@
         </p:nvSpPr>
         <p:spPr>
           <a:xfrm>
-            <a:off x="720000" y="2160000"/>
-            <a:ext cx="4215960" cy="4384440"/>
+            <a:off x="504000" y="1768680"/>
+            <a:ext cx="4426920" cy="4384080"/>
           </a:xfrm>
           <a:prstGeom prst="rect">
             <a:avLst/>
@@ -1266,8 +1266,8 @@
         </p:nvSpPr>
         <p:spPr>
           <a:xfrm>
-            <a:off x="5147280" y="2160000"/>
-            <a:ext cx="4215960" cy="2091240"/>
+            <a:off x="5152680" y="1768680"/>
+            <a:ext cx="4426920" cy="2090880"/>
           </a:xfrm>
           <a:prstGeom prst="rect">
             <a:avLst/>
@@ -1296,8 +1296,8 @@
         </p:nvSpPr>
         <p:spPr>
           <a:xfrm>
-            <a:off x="5147280" y="4450320"/>
-            <a:ext cx="4215960" cy="2091240"/>
+            <a:off x="5152680" y="4058640"/>
+            <a:ext cx="4426920" cy="2090880"/>
           </a:xfrm>
           <a:prstGeom prst="rect">
             <a:avLst/>
@@ -1348,8 +1348,8 @@
         </p:nvSpPr>
         <p:spPr>
           <a:xfrm>
-            <a:off x="720000" y="300960"/>
-            <a:ext cx="8855280" cy="1262160"/>
+            <a:off x="504000" y="301320"/>
+            <a:ext cx="9072000" cy="1261800"/>
           </a:xfrm>
           <a:prstGeom prst="rect">
             <a:avLst/>
@@ -1377,8 +1377,8 @@
         </p:nvSpPr>
         <p:spPr>
           <a:xfrm>
-            <a:off x="720000" y="2160000"/>
-            <a:ext cx="4215960" cy="2091240"/>
+            <a:off x="504000" y="1768680"/>
+            <a:ext cx="4426920" cy="2090880"/>
           </a:xfrm>
           <a:prstGeom prst="rect">
             <a:avLst/>
@@ -1407,8 +1407,8 @@
         </p:nvSpPr>
         <p:spPr>
           <a:xfrm>
-            <a:off x="5147280" y="2160000"/>
-            <a:ext cx="4215960" cy="2091240"/>
+            <a:off x="5152680" y="1768680"/>
+            <a:ext cx="4426920" cy="2090880"/>
           </a:xfrm>
           <a:prstGeom prst="rect">
             <a:avLst/>
@@ -1437,8 +1437,8 @@
         </p:nvSpPr>
         <p:spPr>
           <a:xfrm>
-            <a:off x="720000" y="4450320"/>
-            <a:ext cx="8639640" cy="2091240"/>
+            <a:off x="504000" y="4058640"/>
+            <a:ext cx="9072000" cy="2090880"/>
           </a:xfrm>
           <a:prstGeom prst="rect">
             <a:avLst/>
@@ -1489,8 +1489,8 @@
         </p:nvSpPr>
         <p:spPr>
           <a:xfrm>
-            <a:off x="720000" y="300960"/>
-            <a:ext cx="8855280" cy="1262160"/>
+            <a:off x="504000" y="301320"/>
+            <a:ext cx="9072000" cy="1261800"/>
           </a:xfrm>
           <a:prstGeom prst="rect">
             <a:avLst/>
@@ -1518,8 +1518,8 @@
         </p:nvSpPr>
         <p:spPr>
           <a:xfrm>
-            <a:off x="720000" y="2160000"/>
-            <a:ext cx="8639640" cy="2091240"/>
+            <a:off x="504000" y="1768680"/>
+            <a:ext cx="9072000" cy="2090880"/>
           </a:xfrm>
           <a:prstGeom prst="rect">
             <a:avLst/>
@@ -1548,8 +1548,8 @@
         </p:nvSpPr>
         <p:spPr>
           <a:xfrm>
-            <a:off x="720000" y="4450320"/>
-            <a:ext cx="8639640" cy="2091240"/>
+            <a:off x="504000" y="4058640"/>
+            <a:ext cx="9072000" cy="2090880"/>
           </a:xfrm>
           <a:prstGeom prst="rect">
             <a:avLst/>
@@ -1600,8 +1600,8 @@
         </p:nvSpPr>
         <p:spPr>
           <a:xfrm>
-            <a:off x="720000" y="300960"/>
-            <a:ext cx="8855280" cy="1262160"/>
+            <a:off x="504000" y="301320"/>
+            <a:ext cx="9072000" cy="1261800"/>
           </a:xfrm>
           <a:prstGeom prst="rect">
             <a:avLst/>
@@ -1629,8 +1629,8 @@
         </p:nvSpPr>
         <p:spPr>
           <a:xfrm>
-            <a:off x="720000" y="2160000"/>
-            <a:ext cx="4215960" cy="2091240"/>
+            <a:off x="504000" y="1768680"/>
+            <a:ext cx="4426920" cy="2090880"/>
           </a:xfrm>
           <a:prstGeom prst="rect">
             <a:avLst/>
@@ -1659,8 +1659,8 @@
         </p:nvSpPr>
         <p:spPr>
           <a:xfrm>
-            <a:off x="5147280" y="2160000"/>
-            <a:ext cx="4215960" cy="2091240"/>
+            <a:off x="5152680" y="1768680"/>
+            <a:ext cx="4426920" cy="2090880"/>
           </a:xfrm>
           <a:prstGeom prst="rect">
             <a:avLst/>
@@ -1689,8 +1689,8 @@
         </p:nvSpPr>
         <p:spPr>
           <a:xfrm>
-            <a:off x="5147280" y="4450320"/>
-            <a:ext cx="4215960" cy="2091240"/>
+            <a:off x="5152680" y="4058640"/>
+            <a:ext cx="4426920" cy="2090880"/>
           </a:xfrm>
           <a:prstGeom prst="rect">
             <a:avLst/>
@@ -1719,8 +1719,8 @@
         </p:nvSpPr>
         <p:spPr>
           <a:xfrm>
-            <a:off x="720000" y="4450320"/>
-            <a:ext cx="4215960" cy="2091240"/>
+            <a:off x="504000" y="4058640"/>
+            <a:ext cx="4426920" cy="2090880"/>
           </a:xfrm>
           <a:prstGeom prst="rect">
             <a:avLst/>
@@ -1771,8 +1771,8 @@
         </p:nvSpPr>
         <p:spPr>
           <a:xfrm>
-            <a:off x="720000" y="300960"/>
-            <a:ext cx="8855280" cy="1262160"/>
+            <a:off x="504000" y="301320"/>
+            <a:ext cx="9072000" cy="1261800"/>
           </a:xfrm>
           <a:prstGeom prst="rect">
             <a:avLst/>
@@ -1800,8 +1800,8 @@
         </p:nvSpPr>
         <p:spPr>
           <a:xfrm>
-            <a:off x="720000" y="2160000"/>
-            <a:ext cx="2781720" cy="2091240"/>
+            <a:off x="504000" y="1768680"/>
+            <a:ext cx="2921040" cy="2090880"/>
           </a:xfrm>
           <a:prstGeom prst="rect">
             <a:avLst/>
@@ -1830,8 +1830,8 @@
         </p:nvSpPr>
         <p:spPr>
           <a:xfrm>
-            <a:off x="3641040" y="2160000"/>
-            <a:ext cx="2781720" cy="2091240"/>
+            <a:off x="3571560" y="1768680"/>
+            <a:ext cx="2921040" cy="2090880"/>
           </a:xfrm>
           <a:prstGeom prst="rect">
             <a:avLst/>
@@ -1860,8 +1860,8 @@
         </p:nvSpPr>
         <p:spPr>
           <a:xfrm>
-            <a:off x="6562440" y="2160000"/>
-            <a:ext cx="2781720" cy="2091240"/>
+            <a:off x="6639120" y="1768680"/>
+            <a:ext cx="2921040" cy="2090880"/>
           </a:xfrm>
           <a:prstGeom prst="rect">
             <a:avLst/>
@@ -1890,8 +1890,8 @@
         </p:nvSpPr>
         <p:spPr>
           <a:xfrm>
-            <a:off x="6562440" y="4450320"/>
-            <a:ext cx="2781720" cy="2091240"/>
+            <a:off x="6639120" y="4058640"/>
+            <a:ext cx="2921040" cy="2090880"/>
           </a:xfrm>
           <a:prstGeom prst="rect">
             <a:avLst/>
@@ -1920,8 +1920,8 @@
         </p:nvSpPr>
         <p:spPr>
           <a:xfrm>
-            <a:off x="3641040" y="4450320"/>
-            <a:ext cx="2781720" cy="2091240"/>
+            <a:off x="3571560" y="4058640"/>
+            <a:ext cx="2921040" cy="2090880"/>
           </a:xfrm>
           <a:prstGeom prst="rect">
             <a:avLst/>
@@ -1950,8 +1950,8 @@
         </p:nvSpPr>
         <p:spPr>
           <a:xfrm>
-            <a:off x="720000" y="4450320"/>
-            <a:ext cx="2781720" cy="2091240"/>
+            <a:off x="504000" y="4058640"/>
+            <a:ext cx="2921040" cy="2090880"/>
           </a:xfrm>
           <a:prstGeom prst="rect">
             <a:avLst/>
@@ -2002,8 +2002,8 @@
         </p:nvSpPr>
         <p:spPr>
           <a:xfrm>
-            <a:off x="720000" y="300960"/>
-            <a:ext cx="8855280" cy="1262160"/>
+            <a:off x="504000" y="301320"/>
+            <a:ext cx="9072000" cy="1261800"/>
           </a:xfrm>
           <a:prstGeom prst="rect">
             <a:avLst/>
@@ -2031,8 +2031,8 @@
         </p:nvSpPr>
         <p:spPr>
           <a:xfrm>
-            <a:off x="720000" y="2160000"/>
-            <a:ext cx="8639640" cy="4384440"/>
+            <a:off x="504000" y="1768680"/>
+            <a:ext cx="9072000" cy="4384080"/>
           </a:xfrm>
           <a:prstGeom prst="rect">
             <a:avLst/>
@@ -2083,8 +2083,8 @@
         </p:nvSpPr>
         <p:spPr>
           <a:xfrm>
-            <a:off x="720000" y="300960"/>
-            <a:ext cx="8855280" cy="1262160"/>
+            <a:off x="504000" y="301320"/>
+            <a:ext cx="9072000" cy="1261800"/>
           </a:xfrm>
           <a:prstGeom prst="rect">
             <a:avLst/>
@@ -2112,8 +2112,8 @@
         </p:nvSpPr>
         <p:spPr>
           <a:xfrm>
-            <a:off x="720000" y="2160000"/>
-            <a:ext cx="4215960" cy="4384440"/>
+            <a:off x="504000" y="1768680"/>
+            <a:ext cx="4426920" cy="4384080"/>
           </a:xfrm>
           <a:prstGeom prst="rect">
             <a:avLst/>
@@ -2142,8 +2142,8 @@
         </p:nvSpPr>
         <p:spPr>
           <a:xfrm>
-            <a:off x="5147280" y="2160000"/>
-            <a:ext cx="4215960" cy="4384440"/>
+            <a:off x="5152680" y="1768680"/>
+            <a:ext cx="4426920" cy="4384080"/>
           </a:xfrm>
           <a:prstGeom prst="rect">
             <a:avLst/>
@@ -2194,8 +2194,8 @@
         </p:nvSpPr>
         <p:spPr>
           <a:xfrm>
-            <a:off x="720000" y="300960"/>
-            <a:ext cx="8855280" cy="1262160"/>
+            <a:off x="504000" y="301320"/>
+            <a:ext cx="9072000" cy="1261800"/>
           </a:xfrm>
           <a:prstGeom prst="rect">
             <a:avLst/>
@@ -2245,8 +2245,8 @@
         </p:nvSpPr>
         <p:spPr>
           <a:xfrm>
-            <a:off x="720000" y="300960"/>
-            <a:ext cx="8855280" cy="5851800"/>
+            <a:off x="504000" y="301320"/>
+            <a:ext cx="9072000" cy="5850360"/>
           </a:xfrm>
           <a:prstGeom prst="rect">
             <a:avLst/>
@@ -2296,8 +2296,8 @@
         </p:nvSpPr>
         <p:spPr>
           <a:xfrm>
-            <a:off x="720000" y="300960"/>
-            <a:ext cx="8855280" cy="1262160"/>
+            <a:off x="504000" y="301320"/>
+            <a:ext cx="9072000" cy="1261800"/>
           </a:xfrm>
           <a:prstGeom prst="rect">
             <a:avLst/>
@@ -2325,8 +2325,8 @@
         </p:nvSpPr>
         <p:spPr>
           <a:xfrm>
-            <a:off x="720000" y="2160000"/>
-            <a:ext cx="4215960" cy="2091240"/>
+            <a:off x="504000" y="1768680"/>
+            <a:ext cx="4426920" cy="2090880"/>
           </a:xfrm>
           <a:prstGeom prst="rect">
             <a:avLst/>
@@ -2355,8 +2355,8 @@
         </p:nvSpPr>
         <p:spPr>
           <a:xfrm>
-            <a:off x="720000" y="4450320"/>
-            <a:ext cx="4215960" cy="2091240"/>
+            <a:off x="504000" y="4058640"/>
+            <a:ext cx="4426920" cy="2090880"/>
           </a:xfrm>
           <a:prstGeom prst="rect">
             <a:avLst/>
@@ -2385,8 +2385,8 @@
         </p:nvSpPr>
         <p:spPr>
           <a:xfrm>
-            <a:off x="5147280" y="2160000"/>
-            <a:ext cx="4215960" cy="4384440"/>
+            <a:off x="5152680" y="1768680"/>
+            <a:ext cx="4426920" cy="4384080"/>
           </a:xfrm>
           <a:prstGeom prst="rect">
             <a:avLst/>
@@ -2437,8 +2437,8 @@
         </p:nvSpPr>
         <p:spPr>
           <a:xfrm>
-            <a:off x="720000" y="300960"/>
-            <a:ext cx="8855280" cy="1262160"/>
+            <a:off x="504000" y="301320"/>
+            <a:ext cx="9072000" cy="1261800"/>
           </a:xfrm>
           <a:prstGeom prst="rect">
             <a:avLst/>
@@ -2466,8 +2466,8 @@
         </p:nvSpPr>
         <p:spPr>
           <a:xfrm>
-            <a:off x="720000" y="2160000"/>
-            <a:ext cx="4215960" cy="4384440"/>
+            <a:off x="504000" y="1768680"/>
+            <a:ext cx="4426920" cy="4384080"/>
           </a:xfrm>
           <a:prstGeom prst="rect">
             <a:avLst/>
@@ -2496,8 +2496,8 @@
         </p:nvSpPr>
         <p:spPr>
           <a:xfrm>
-            <a:off x="5147280" y="2160000"/>
-            <a:ext cx="4215960" cy="2091240"/>
+            <a:off x="5152680" y="1768680"/>
+            <a:ext cx="4426920" cy="2090880"/>
           </a:xfrm>
           <a:prstGeom prst="rect">
             <a:avLst/>
@@ -2526,8 +2526,8 @@
         </p:nvSpPr>
         <p:spPr>
           <a:xfrm>
-            <a:off x="5147280" y="4450320"/>
-            <a:ext cx="4215960" cy="2091240"/>
+            <a:off x="5152680" y="4058640"/>
+            <a:ext cx="4426920" cy="2090880"/>
           </a:xfrm>
           <a:prstGeom prst="rect">
             <a:avLst/>
@@ -2578,8 +2578,8 @@
         </p:nvSpPr>
         <p:spPr>
           <a:xfrm>
-            <a:off x="720000" y="300960"/>
-            <a:ext cx="8855280" cy="1262160"/>
+            <a:off x="504000" y="301320"/>
+            <a:ext cx="9072000" cy="1261800"/>
           </a:xfrm>
           <a:prstGeom prst="rect">
             <a:avLst/>
@@ -2607,8 +2607,8 @@
         </p:nvSpPr>
         <p:spPr>
           <a:xfrm>
-            <a:off x="720000" y="2160000"/>
-            <a:ext cx="4215960" cy="2091240"/>
+            <a:off x="504000" y="1768680"/>
+            <a:ext cx="4426920" cy="2090880"/>
           </a:xfrm>
           <a:prstGeom prst="rect">
             <a:avLst/>
@@ -2637,8 +2637,8 @@
         </p:nvSpPr>
         <p:spPr>
           <a:xfrm>
-            <a:off x="5147280" y="2160000"/>
-            <a:ext cx="4215960" cy="2091240"/>
+            <a:off x="5152680" y="1768680"/>
+            <a:ext cx="4426920" cy="2090880"/>
           </a:xfrm>
           <a:prstGeom prst="rect">
             <a:avLst/>
@@ -2667,8 +2667,8 @@
         </p:nvSpPr>
         <p:spPr>
           <a:xfrm>
-            <a:off x="720000" y="4450320"/>
-            <a:ext cx="8639640" cy="2091240"/>
+            <a:off x="504000" y="4058640"/>
+            <a:ext cx="9072000" cy="2090880"/>
           </a:xfrm>
           <a:prstGeom prst="rect">
             <a:avLst/>
@@ -2716,7 +2716,7 @@
         <p:spPr>
           <a:xfrm>
             <a:off x="0" y="4320000"/>
-            <a:ext cx="503640" cy="1079640"/>
+            <a:ext cx="503280" cy="1079280"/>
           </a:xfrm>
           <a:prstGeom prst="rect">
             <a:avLst/>
@@ -2748,7 +2748,7 @@
         <p:spPr>
           <a:xfrm>
             <a:off x="720000" y="300960"/>
-            <a:ext cx="8855280" cy="1262160"/>
+            <a:ext cx="8854920" cy="1261800"/>
           </a:xfrm>
           <a:prstGeom prst="rect">
             <a:avLst/>
@@ -2781,8 +2781,8 @@
         </p:nvSpPr>
         <p:spPr>
           <a:xfrm>
-            <a:off x="504000" y="1768680"/>
-            <a:ext cx="9072000" cy="4384080"/>
+            <a:off x="720000" y="2160000"/>
+            <a:ext cx="8639280" cy="4384080"/>
           </a:xfrm>
           <a:prstGeom prst="rect">
             <a:avLst/>
@@ -2805,12 +2805,12 @@
               <a:buChar char=""/>
             </a:pPr>
             <a:r>
-              <a:rPr b="0" lang="en-US" sz="3200" spc="-1" strike="noStrike">
+              <a:rPr b="0" lang="en-US" sz="1800" spc="-1" strike="noStrike">
                 <a:latin typeface="Arial"/>
               </a:rPr>
               <a:t>Click to edit the outline text format</a:t>
             </a:r>
-            <a:endParaRPr b="0" lang="en-US" sz="3200" spc="-1" strike="noStrike">
+            <a:endParaRPr b="0" lang="en-US" sz="1800" spc="-1" strike="noStrike">
               <a:latin typeface="Arial"/>
             </a:endParaRPr>
           </a:p>
@@ -2827,12 +2827,12 @@
               <a:buChar char=""/>
             </a:pPr>
             <a:r>
-              <a:rPr b="0" lang="en-US" sz="2800" spc="-1" strike="noStrike">
+              <a:rPr b="0" lang="en-US" sz="1800" spc="-1" strike="noStrike">
                 <a:latin typeface="Arial"/>
               </a:rPr>
               <a:t>Second Outline Level</a:t>
             </a:r>
-            <a:endParaRPr b="0" lang="en-US" sz="2800" spc="-1" strike="noStrike">
+            <a:endParaRPr b="0" lang="en-US" sz="1800" spc="-1" strike="noStrike">
               <a:latin typeface="Arial"/>
             </a:endParaRPr>
           </a:p>
@@ -2849,12 +2849,12 @@
               <a:buChar char=""/>
             </a:pPr>
             <a:r>
-              <a:rPr b="0" lang="en-US" sz="2400" spc="-1" strike="noStrike">
+              <a:rPr b="0" lang="en-US" sz="1800" spc="-1" strike="noStrike">
                 <a:latin typeface="Arial"/>
               </a:rPr>
               <a:t>Third Outline Level</a:t>
             </a:r>
-            <a:endParaRPr b="0" lang="en-US" sz="2400" spc="-1" strike="noStrike">
+            <a:endParaRPr b="0" lang="en-US" sz="1800" spc="-1" strike="noStrike">
               <a:latin typeface="Arial"/>
             </a:endParaRPr>
           </a:p>
@@ -2871,12 +2871,12 @@
               <a:buChar char=""/>
             </a:pPr>
             <a:r>
-              <a:rPr b="0" lang="en-US" sz="2000" spc="-1" strike="noStrike">
+              <a:rPr b="0" lang="en-US" sz="1800" spc="-1" strike="noStrike">
                 <a:latin typeface="Arial"/>
               </a:rPr>
               <a:t>Fourth Outline Level</a:t>
             </a:r>
-            <a:endParaRPr b="0" lang="en-US" sz="2000" spc="-1" strike="noStrike">
+            <a:endParaRPr b="0" lang="en-US" sz="1800" spc="-1" strike="noStrike">
               <a:latin typeface="Arial"/>
             </a:endParaRPr>
           </a:p>
@@ -2893,12 +2893,12 @@
               <a:buChar char=""/>
             </a:pPr>
             <a:r>
-              <a:rPr b="0" lang="en-US" sz="2000" spc="-1" strike="noStrike">
+              <a:rPr b="0" lang="en-US" sz="1800" spc="-1" strike="noStrike">
                 <a:latin typeface="Arial"/>
               </a:rPr>
               <a:t>Fifth Outline Level</a:t>
             </a:r>
-            <a:endParaRPr b="0" lang="en-US" sz="2000" spc="-1" strike="noStrike">
+            <a:endParaRPr b="0" lang="en-US" sz="1800" spc="-1" strike="noStrike">
               <a:latin typeface="Arial"/>
             </a:endParaRPr>
           </a:p>
@@ -2915,12 +2915,12 @@
               <a:buChar char=""/>
             </a:pPr>
             <a:r>
-              <a:rPr b="0" lang="en-US" sz="2000" spc="-1" strike="noStrike">
+              <a:rPr b="0" lang="en-US" sz="1800" spc="-1" strike="noStrike">
                 <a:latin typeface="Arial"/>
               </a:rPr>
               <a:t>Sixth Outline Level</a:t>
             </a:r>
-            <a:endParaRPr b="0" lang="en-US" sz="2000" spc="-1" strike="noStrike">
+            <a:endParaRPr b="0" lang="en-US" sz="1800" spc="-1" strike="noStrike">
               <a:latin typeface="Arial"/>
             </a:endParaRPr>
           </a:p>
@@ -2937,12 +2937,12 @@
               <a:buChar char=""/>
             </a:pPr>
             <a:r>
-              <a:rPr b="0" lang="en-US" sz="2000" spc="-1" strike="noStrike">
+              <a:rPr b="0" lang="en-US" sz="1800" spc="-1" strike="noStrike">
                 <a:latin typeface="Arial"/>
               </a:rPr>
               <a:t>Seventh Outline Level</a:t>
             </a:r>
-            <a:endParaRPr b="0" lang="en-US" sz="2000" spc="-1" strike="noStrike">
+            <a:endParaRPr b="0" lang="en-US" sz="1800" spc="-1" strike="noStrike">
               <a:latin typeface="Arial"/>
             </a:endParaRPr>
           </a:p>
@@ -2994,7 +2994,7 @@
         <p:spPr>
           <a:xfrm>
             <a:off x="0" y="288000"/>
-            <a:ext cx="503640" cy="1079640"/>
+            <a:ext cx="503280" cy="1079280"/>
           </a:xfrm>
           <a:prstGeom prst="rect">
             <a:avLst/>
@@ -3025,8 +3025,8 @@
         </p:nvSpPr>
         <p:spPr>
           <a:xfrm>
-            <a:off x="720000" y="300960"/>
-            <a:ext cx="8855280" cy="1262160"/>
+            <a:off x="504000" y="301320"/>
+            <a:ext cx="9072000" cy="1261800"/>
           </a:xfrm>
           <a:prstGeom prst="rect">
             <a:avLst/>
@@ -3035,13 +3035,14 @@
         <p:txBody>
           <a:bodyPr lIns="0" rIns="0" tIns="0" bIns="0" anchor="ctr"/>
           <a:p>
-            <a:r>
-              <a:rPr b="0" lang="en-US" sz="1800" spc="-1" strike="noStrike">
+            <a:pPr algn="ctr"/>
+            <a:r>
+              <a:rPr b="0" lang="en-US" sz="4400" spc="-1" strike="noStrike">
                 <a:latin typeface="Arial"/>
               </a:rPr>
               <a:t>Click to edit the title text format</a:t>
             </a:r>
-            <a:endParaRPr b="0" lang="en-US" sz="1800" spc="-1" strike="noStrike">
+            <a:endParaRPr b="0" lang="en-US" sz="4400" spc="-1" strike="noStrike">
               <a:latin typeface="Arial"/>
             </a:endParaRPr>
           </a:p>
@@ -3059,15 +3060,17 @@
         </p:nvSpPr>
         <p:spPr>
           <a:xfrm>
-            <a:off x="720000" y="2160000"/>
-            <a:ext cx="8639640" cy="4384440"/>
-          </a:xfrm>
-          <a:prstGeom prst="rect">
-            <a:avLst/>
-          </a:prstGeom>
-        </p:spPr>
-        <p:txBody>
-          <a:bodyPr lIns="0" rIns="0" tIns="0" bIns="0"/>
+            <a:off x="504000" y="1768680"/>
+            <a:ext cx="9072000" cy="4384080"/>
+          </a:xfrm>
+          <a:prstGeom prst="rect">
+            <a:avLst/>
+          </a:prstGeom>
+        </p:spPr>
+        <p:txBody>
+          <a:bodyPr lIns="0" rIns="0" tIns="0" bIns="0">
+            <a:normAutofit/>
+          </a:bodyPr>
           <a:p>
             <a:pPr marL="432000" indent="-324000">
               <a:spcBef>
@@ -3081,12 +3084,12 @@
               <a:buChar char=""/>
             </a:pPr>
             <a:r>
-              <a:rPr b="0" lang="en-US" sz="1800" spc="-1" strike="noStrike">
+              <a:rPr b="0" lang="en-US" sz="3200" spc="-1" strike="noStrike">
                 <a:latin typeface="Arial"/>
               </a:rPr>
               <a:t>Click to edit the outline text format</a:t>
             </a:r>
-            <a:endParaRPr b="0" lang="en-US" sz="1800" spc="-1" strike="noStrike">
+            <a:endParaRPr b="0" lang="en-US" sz="3200" spc="-1" strike="noStrike">
               <a:latin typeface="Arial"/>
             </a:endParaRPr>
           </a:p>
@@ -3103,12 +3106,12 @@
               <a:buChar char=""/>
             </a:pPr>
             <a:r>
-              <a:rPr b="0" lang="en-US" sz="1800" spc="-1" strike="noStrike">
+              <a:rPr b="0" lang="en-US" sz="2800" spc="-1" strike="noStrike">
                 <a:latin typeface="Arial"/>
               </a:rPr>
               <a:t>Second Outline Level</a:t>
             </a:r>
-            <a:endParaRPr b="0" lang="en-US" sz="1800" spc="-1" strike="noStrike">
+            <a:endParaRPr b="0" lang="en-US" sz="2800" spc="-1" strike="noStrike">
               <a:latin typeface="Arial"/>
             </a:endParaRPr>
           </a:p>
@@ -3125,12 +3128,12 @@
               <a:buChar char=""/>
             </a:pPr>
             <a:r>
-              <a:rPr b="0" lang="en-US" sz="1800" spc="-1" strike="noStrike">
+              <a:rPr b="0" lang="en-US" sz="2400" spc="-1" strike="noStrike">
                 <a:latin typeface="Arial"/>
               </a:rPr>
               <a:t>Third Outline Level</a:t>
             </a:r>
-            <a:endParaRPr b="0" lang="en-US" sz="1800" spc="-1" strike="noStrike">
+            <a:endParaRPr b="0" lang="en-US" sz="2400" spc="-1" strike="noStrike">
               <a:latin typeface="Arial"/>
             </a:endParaRPr>
           </a:p>
@@ -3147,12 +3150,12 @@
               <a:buChar char=""/>
             </a:pPr>
             <a:r>
-              <a:rPr b="0" lang="en-US" sz="1800" spc="-1" strike="noStrike">
+              <a:rPr b="0" lang="en-US" sz="2000" spc="-1" strike="noStrike">
                 <a:latin typeface="Arial"/>
               </a:rPr>
               <a:t>Fourth Outline Level</a:t>
             </a:r>
-            <a:endParaRPr b="0" lang="en-US" sz="1800" spc="-1" strike="noStrike">
+            <a:endParaRPr b="0" lang="en-US" sz="2000" spc="-1" strike="noStrike">
               <a:latin typeface="Arial"/>
             </a:endParaRPr>
           </a:p>
@@ -3169,12 +3172,12 @@
               <a:buChar char=""/>
             </a:pPr>
             <a:r>
-              <a:rPr b="0" lang="en-US" sz="1800" spc="-1" strike="noStrike">
+              <a:rPr b="0" lang="en-US" sz="2000" spc="-1" strike="noStrike">
                 <a:latin typeface="Arial"/>
               </a:rPr>
               <a:t>Fifth Outline Level</a:t>
             </a:r>
-            <a:endParaRPr b="0" lang="en-US" sz="1800" spc="-1" strike="noStrike">
+            <a:endParaRPr b="0" lang="en-US" sz="2000" spc="-1" strike="noStrike">
               <a:latin typeface="Arial"/>
             </a:endParaRPr>
           </a:p>
@@ -3191,12 +3194,12 @@
               <a:buChar char=""/>
             </a:pPr>
             <a:r>
-              <a:rPr b="0" lang="en-US" sz="1800" spc="-1" strike="noStrike">
+              <a:rPr b="0" lang="en-US" sz="2000" spc="-1" strike="noStrike">
                 <a:latin typeface="Arial"/>
               </a:rPr>
               <a:t>Sixth Outline Level</a:t>
             </a:r>
-            <a:endParaRPr b="0" lang="en-US" sz="1800" spc="-1" strike="noStrike">
+            <a:endParaRPr b="0" lang="en-US" sz="2000" spc="-1" strike="noStrike">
               <a:latin typeface="Arial"/>
             </a:endParaRPr>
           </a:p>
@@ -3213,12 +3216,12 @@
               <a:buChar char=""/>
             </a:pPr>
             <a:r>
-              <a:rPr b="0" lang="en-US" sz="1800" spc="-1" strike="noStrike">
+              <a:rPr b="0" lang="en-US" sz="2000" spc="-1" strike="noStrike">
                 <a:latin typeface="Arial"/>
               </a:rPr>
               <a:t>Seventh Outline Level</a:t>
             </a:r>
-            <a:endParaRPr b="0" lang="en-US" sz="1800" spc="-1" strike="noStrike">
+            <a:endParaRPr b="0" lang="en-US" sz="2000" spc="-1" strike="noStrike">
               <a:latin typeface="Arial"/>
             </a:endParaRPr>
           </a:p>
@@ -3270,7 +3273,7 @@
         <p:spPr>
           <a:xfrm>
             <a:off x="792000" y="4104000"/>
-            <a:ext cx="8567640" cy="1439640"/>
+            <a:ext cx="8567280" cy="1439280"/>
           </a:xfrm>
           <a:prstGeom prst="rect">
             <a:avLst/>
@@ -3297,9 +3300,15 @@
                   <a:srgbClr val="333333"/>
                 </a:solidFill>
                 <a:latin typeface="Open Sans"/>
+                <a:ea typeface="DejaVu Sans"/>
               </a:rPr>
               <a:t>Igor Diakov</a:t>
             </a:r>
+            <a:endParaRPr b="0" lang="en-US" sz="4800" spc="-1" strike="noStrike">
+              <a:latin typeface="Arial"/>
+            </a:endParaRPr>
+          </a:p>
+          <a:p>
             <a:endParaRPr b="0" lang="en-US" sz="4800" spc="-1" strike="noStrike">
               <a:latin typeface="Arial"/>
             </a:endParaRPr>
@@ -3315,7 +3324,7 @@
         <p:spPr>
           <a:xfrm>
             <a:off x="792000" y="5904000"/>
-            <a:ext cx="8567640" cy="982080"/>
+            <a:ext cx="8567280" cy="981720"/>
           </a:xfrm>
           <a:prstGeom prst="rect">
             <a:avLst/>
@@ -3341,7 +3350,11 @@
             </a:pPr>
             <a:r>
               <a:rPr b="0" lang="en-US" sz="3200" spc="-1" strike="noStrike">
+                <a:solidFill>
+                  <a:srgbClr val="000000"/>
+                </a:solidFill>
                 <a:latin typeface="Open Sans"/>
+                <a:ea typeface="DejaVu Sans"/>
               </a:rPr>
               <a:t>Experience History</a:t>
             </a:r>
@@ -3409,7 +3422,7 @@
         <p:spPr>
           <a:xfrm>
             <a:off x="720000" y="169920"/>
-            <a:ext cx="8855280" cy="1524240"/>
+            <a:ext cx="8854920" cy="1523880"/>
           </a:xfrm>
           <a:prstGeom prst="rect">
             <a:avLst/>
@@ -3434,6 +3447,7 @@
                   <a:srgbClr val="333333"/>
                 </a:solidFill>
                 <a:latin typeface="Open Sans"/>
+                <a:ea typeface="DejaVu Sans"/>
               </a:rPr>
               <a:t>2009: Independent Software Engineer</a:t>
             </a:r>
@@ -3452,7 +3466,7 @@
         <p:spPr>
           <a:xfrm>
             <a:off x="720000" y="2160000"/>
-            <a:ext cx="8639640" cy="4384440"/>
+            <a:ext cx="8639280" cy="4384080"/>
           </a:xfrm>
           <a:prstGeom prst="rect">
             <a:avLst/>
@@ -3471,7 +3485,7 @@
         <p:txBody>
           <a:bodyPr lIns="0" rIns="0" tIns="0" bIns="0"/>
           <a:p>
-            <a:pPr marL="432000" indent="-323640">
+            <a:pPr marL="432000" indent="-323280">
               <a:lnSpc>
                 <a:spcPct val="100000"/>
               </a:lnSpc>
@@ -3491,6 +3505,7 @@
                   <a:srgbClr val="333333"/>
                 </a:solidFill>
                 <a:latin typeface="Open Sans"/>
+                <a:ea typeface="DejaVu Sans"/>
               </a:rPr>
               <a:t>Studied Cloud technologies: Azure, AWS, Google</a:t>
             </a:r>
@@ -3499,7 +3514,7 @@
             </a:endParaRPr>
           </a:p>
           <a:p>
-            <a:pPr marL="432000" indent="-323640">
+            <a:pPr marL="432000" indent="-323280">
               <a:lnSpc>
                 <a:spcPct val="100000"/>
               </a:lnSpc>
@@ -3519,6 +3534,7 @@
                   <a:srgbClr val="333333"/>
                 </a:solidFill>
                 <a:latin typeface="Open Sans"/>
+                <a:ea typeface="DejaVu Sans"/>
               </a:rPr>
               <a:t>Studied programming of cell-phones. Created 13 iPhone apps</a:t>
             </a:r>
@@ -3586,7 +3602,7 @@
         <p:spPr>
           <a:xfrm>
             <a:off x="720000" y="169920"/>
-            <a:ext cx="8855280" cy="1524240"/>
+            <a:ext cx="8854920" cy="1523880"/>
           </a:xfrm>
           <a:prstGeom prst="rect">
             <a:avLst/>
@@ -3611,6 +3627,7 @@
                   <a:srgbClr val="333333"/>
                 </a:solidFill>
                 <a:latin typeface="Open Sans"/>
+                <a:ea typeface="DejaVu Sans"/>
               </a:rPr>
               <a:t>2010-Now: Founded DComplex</a:t>
             </a:r>
@@ -3629,7 +3646,7 @@
         <p:spPr>
           <a:xfrm>
             <a:off x="720000" y="2160000"/>
-            <a:ext cx="8639640" cy="4384440"/>
+            <a:ext cx="8639280" cy="4384080"/>
           </a:xfrm>
           <a:prstGeom prst="rect">
             <a:avLst/>
@@ -3648,7 +3665,7 @@
         <p:txBody>
           <a:bodyPr lIns="0" rIns="0" tIns="0" bIns="0"/>
           <a:p>
-            <a:pPr marL="432000" indent="-323640">
+            <a:pPr marL="432000" indent="-323280">
               <a:lnSpc>
                 <a:spcPct val="100000"/>
               </a:lnSpc>
@@ -3668,6 +3685,7 @@
                   <a:srgbClr val="333333"/>
                 </a:solidFill>
                 <a:latin typeface="Open Sans"/>
+                <a:ea typeface="DejaVu Sans"/>
               </a:rPr>
               <a:t>Designed and implemented high performance distributed cross platform (macOS, Windows, Linux, Android, iOS) video surveillance software</a:t>
             </a:r>
@@ -3676,7 +3694,7 @@
             </a:endParaRPr>
           </a:p>
           <a:p>
-            <a:pPr marL="432000" indent="-323640">
+            <a:pPr marL="432000" indent="-323280">
               <a:lnSpc>
                 <a:spcPct val="100000"/>
               </a:lnSpc>
@@ -3696,6 +3714,7 @@
                   <a:srgbClr val="333333"/>
                 </a:solidFill>
                 <a:latin typeface="Open Sans"/>
+                <a:ea typeface="DejaVu Sans"/>
               </a:rPr>
               <a:t>Worked with third parties and licensed it to them</a:t>
             </a:r>
@@ -3763,7 +3782,7 @@
         <p:spPr>
           <a:xfrm>
             <a:off x="720000" y="169920"/>
-            <a:ext cx="8855280" cy="1524240"/>
+            <a:ext cx="8854920" cy="1523880"/>
           </a:xfrm>
           <a:prstGeom prst="rect">
             <a:avLst/>
@@ -3788,6 +3807,7 @@
                   <a:srgbClr val="333333"/>
                 </a:solidFill>
                 <a:latin typeface="Open Sans"/>
+                <a:ea typeface="DejaVu Sans"/>
               </a:rPr>
               <a:t>Learning</a:t>
             </a:r>
@@ -3806,7 +3826,7 @@
         <p:spPr>
           <a:xfrm>
             <a:off x="720000" y="2160000"/>
-            <a:ext cx="8639640" cy="4384440"/>
+            <a:ext cx="8639280" cy="4384080"/>
           </a:xfrm>
           <a:prstGeom prst="rect">
             <a:avLst/>
@@ -3825,7 +3845,7 @@
         <p:txBody>
           <a:bodyPr lIns="0" rIns="0" tIns="0" bIns="0"/>
           <a:p>
-            <a:pPr marL="432000" indent="-323640">
+            <a:pPr marL="432000" indent="-323280">
               <a:lnSpc>
                 <a:spcPct val="100000"/>
               </a:lnSpc>
@@ -3845,6 +3865,7 @@
                   <a:srgbClr val="333333"/>
                 </a:solidFill>
                 <a:latin typeface="Open Sans"/>
+                <a:ea typeface="DejaVu Sans"/>
               </a:rPr>
               <a:t>Udacity: completed Self-Driving Car Nanodegree. Studied 12 AI, ML, DL and etc courses</a:t>
             </a:r>
@@ -3853,7 +3874,7 @@
             </a:endParaRPr>
           </a:p>
           <a:p>
-            <a:pPr marL="432000" indent="-323640">
+            <a:pPr marL="432000" indent="-323280">
               <a:lnSpc>
                 <a:spcPct val="100000"/>
               </a:lnSpc>
@@ -3873,6 +3894,7 @@
                   <a:srgbClr val="333333"/>
                 </a:solidFill>
                 <a:latin typeface="Open Sans"/>
+                <a:ea typeface="DejaVu Sans"/>
               </a:rPr>
               <a:t>edx.org, Coursera, …: studied dozens of AI, Computer Vision, Robotics, and etc courses</a:t>
             </a:r>
@@ -3933,14 +3955,14 @@
       </p:grpSpPr>
       <p:sp>
         <p:nvSpPr>
-          <p:cNvPr id="103" name="TextShape 1"/>
-          <p:cNvSpPr txBox="1"/>
+          <p:cNvPr id="103" name="CustomShape 1"/>
+          <p:cNvSpPr/>
           <p:nvPr/>
         </p:nvSpPr>
         <p:spPr>
           <a:xfrm>
             <a:off x="720000" y="300960"/>
-            <a:ext cx="8855280" cy="1262160"/>
+            <a:ext cx="8854920" cy="1261800"/>
           </a:xfrm>
           <a:prstGeom prst="rect">
             <a:avLst/>
@@ -3950,10 +3972,20 @@
             <a:noFill/>
           </a:ln>
         </p:spPr>
+        <p:style>
+          <a:lnRef idx="0"/>
+          <a:fillRef idx="0"/>
+          <a:effectRef idx="0"/>
+          <a:fontRef idx="minor"/>
+        </p:style>
         <p:txBody>
           <a:bodyPr lIns="0" rIns="0" tIns="0" bIns="0" anchor="ctr"/>
           <a:p>
-            <a:pPr algn="ctr"/>
+            <a:pPr algn="ctr">
+              <a:lnSpc>
+                <a:spcPct val="100000"/>
+              </a:lnSpc>
+            </a:pPr>
             <a:r>
               <a:rPr b="0" lang="en-US" sz="4400" spc="-1" strike="noStrike">
                 <a:latin typeface="Arial"/>
@@ -3986,7 +4018,7 @@
         <p:spPr>
           <a:xfrm>
             <a:off x="2377440" y="3152880"/>
-            <a:ext cx="5368680" cy="2516400"/>
+            <a:ext cx="5368320" cy="2516040"/>
           </a:xfrm>
           <a:prstGeom prst="rect">
             <a:avLst/>
@@ -4047,14 +4079,14 @@
       </p:grpSpPr>
       <p:sp>
         <p:nvSpPr>
-          <p:cNvPr id="105" name="TextShape 1"/>
-          <p:cNvSpPr txBox="1"/>
+          <p:cNvPr id="105" name="CustomShape 1"/>
+          <p:cNvSpPr/>
           <p:nvPr/>
         </p:nvSpPr>
         <p:spPr>
           <a:xfrm>
             <a:off x="720000" y="300960"/>
-            <a:ext cx="8855280" cy="1262160"/>
+            <a:ext cx="8854920" cy="1261800"/>
           </a:xfrm>
           <a:prstGeom prst="rect">
             <a:avLst/>
@@ -4064,15 +4096,12 @@
             <a:noFill/>
           </a:ln>
         </p:spPr>
-        <p:txBody>
-          <a:bodyPr lIns="0" rIns="0" tIns="0" bIns="0" anchor="ctr"/>
-          <a:p>
-            <a:pPr algn="ctr"/>
-            <a:endParaRPr b="0" lang="en-US" sz="4400" spc="-1" strike="noStrike">
-              <a:latin typeface="Arial"/>
-            </a:endParaRPr>
-          </a:p>
-        </p:txBody>
+        <p:style>
+          <a:lnRef idx="0"/>
+          <a:fillRef idx="0"/>
+          <a:effectRef idx="0"/>
+          <a:fontRef idx="minor"/>
+        </p:style>
       </p:sp>
       <p:pic>
         <p:nvPicPr>
@@ -4087,7 +4116,7 @@
         <p:spPr>
           <a:xfrm>
             <a:off x="1798920" y="182880"/>
-            <a:ext cx="6064920" cy="7132320"/>
+            <a:ext cx="6064560" cy="7131960"/>
           </a:xfrm>
           <a:prstGeom prst="rect">
             <a:avLst/>
@@ -4155,7 +4184,7 @@
         <p:spPr>
           <a:xfrm>
             <a:off x="720000" y="169920"/>
-            <a:ext cx="8855280" cy="1524240"/>
+            <a:ext cx="8854920" cy="1523880"/>
           </a:xfrm>
           <a:prstGeom prst="rect">
             <a:avLst/>
@@ -4180,6 +4209,7 @@
                   <a:srgbClr val="333333"/>
                 </a:solidFill>
                 <a:latin typeface="Open Sans"/>
+                <a:ea typeface="DejaVu Sans"/>
               </a:rPr>
               <a:t>Education 1: 1989-1995 Master Degree in Math &amp; Mechanics</a:t>
             </a:r>
@@ -4198,7 +4228,7 @@
         <p:spPr>
           <a:xfrm>
             <a:off x="720000" y="2160000"/>
-            <a:ext cx="8639640" cy="4384440"/>
+            <a:ext cx="8639280" cy="4384080"/>
           </a:xfrm>
           <a:prstGeom prst="rect">
             <a:avLst/>
@@ -4217,7 +4247,7 @@
         <p:txBody>
           <a:bodyPr lIns="0" rIns="0" tIns="0" bIns="0"/>
           <a:p>
-            <a:pPr marL="432000" indent="-323640">
+            <a:pPr marL="432000" indent="-323280">
               <a:lnSpc>
                 <a:spcPct val="100000"/>
               </a:lnSpc>
@@ -4237,6 +4267,7 @@
                   <a:srgbClr val="333333"/>
                 </a:solidFill>
                 <a:latin typeface="Open Sans"/>
+                <a:ea typeface="DejaVu Sans"/>
               </a:rPr>
               <a:t>Tomsk State University, Russia</a:t>
             </a:r>
@@ -4245,7 +4276,7 @@
             </a:endParaRPr>
           </a:p>
           <a:p>
-            <a:pPr marL="432000" indent="-323640">
+            <a:pPr marL="432000" indent="-323280">
               <a:lnSpc>
                 <a:spcPct val="100000"/>
               </a:lnSpc>
@@ -4265,6 +4296,7 @@
                   <a:srgbClr val="333333"/>
                 </a:solidFill>
                 <a:latin typeface="Open Sans"/>
+                <a:ea typeface="DejaVu Sans"/>
               </a:rPr>
               <a:t>Linear Algebra, Geometry, etc → Neural Nets</a:t>
             </a:r>
@@ -4273,7 +4305,7 @@
             </a:endParaRPr>
           </a:p>
           <a:p>
-            <a:pPr marL="432000" indent="-323640">
+            <a:pPr marL="432000" indent="-323280">
               <a:lnSpc>
                 <a:spcPct val="100000"/>
               </a:lnSpc>
@@ -4293,6 +4325,7 @@
                   <a:srgbClr val="333333"/>
                 </a:solidFill>
                 <a:latin typeface="Open Sans"/>
+                <a:ea typeface="DejaVu Sans"/>
               </a:rPr>
               <a:t>Functional Analysis → Fourier Transform, video compression</a:t>
             </a:r>
@@ -4301,7 +4334,7 @@
             </a:endParaRPr>
           </a:p>
           <a:p>
-            <a:pPr marL="432000" indent="-323640">
+            <a:pPr marL="432000" indent="-323280">
               <a:lnSpc>
                 <a:spcPct val="100000"/>
               </a:lnSpc>
@@ -4321,6 +4354,7 @@
                   <a:srgbClr val="333333"/>
                 </a:solidFill>
                 <a:latin typeface="Open Sans"/>
+                <a:ea typeface="DejaVu Sans"/>
               </a:rPr>
               <a:t>Analysis of Variations → Think closed-form solution for optimal trajectory for Path Planning</a:t>
             </a:r>
@@ -4329,7 +4363,7 @@
             </a:endParaRPr>
           </a:p>
           <a:p>
-            <a:pPr marL="432000" indent="-323640">
+            <a:pPr marL="432000" indent="-323280">
               <a:lnSpc>
                 <a:spcPct val="100000"/>
               </a:lnSpc>
@@ -4349,6 +4383,7 @@
                   <a:srgbClr val="333333"/>
                 </a:solidFill>
                 <a:latin typeface="Open Sans"/>
+                <a:ea typeface="DejaVu Sans"/>
               </a:rPr>
               <a:t>Robotics → Inverse Kinematics, Jacobians, …</a:t>
             </a:r>
@@ -4357,7 +4392,7 @@
             </a:endParaRPr>
           </a:p>
           <a:p>
-            <a:pPr marL="432000" indent="-323640">
+            <a:pPr marL="432000" indent="-323280">
               <a:lnSpc>
                 <a:spcPct val="100000"/>
               </a:lnSpc>
@@ -4377,6 +4412,7 @@
                   <a:srgbClr val="333333"/>
                 </a:solidFill>
                 <a:latin typeface="Open Sans"/>
+                <a:ea typeface="DejaVu Sans"/>
               </a:rPr>
               <a:t>Probability, Mechanics, Physics, ...  </a:t>
             </a:r>
@@ -4444,7 +4480,7 @@
         <p:spPr>
           <a:xfrm>
             <a:off x="720000" y="169920"/>
-            <a:ext cx="8855280" cy="1524240"/>
+            <a:ext cx="8854920" cy="1523880"/>
           </a:xfrm>
           <a:prstGeom prst="rect">
             <a:avLst/>
@@ -4469,6 +4505,7 @@
                   <a:srgbClr val="333333"/>
                 </a:solidFill>
                 <a:latin typeface="Open Sans"/>
+                <a:ea typeface="DejaVu Sans"/>
               </a:rPr>
               <a:t>Education 2: 1995-1997 Unfinished PhD in Mechanics</a:t>
             </a:r>
@@ -4487,7 +4524,7 @@
         <p:spPr>
           <a:xfrm>
             <a:off x="720000" y="2160000"/>
-            <a:ext cx="8639640" cy="4384440"/>
+            <a:ext cx="8639280" cy="4384080"/>
           </a:xfrm>
           <a:prstGeom prst="rect">
             <a:avLst/>
@@ -4506,7 +4543,7 @@
         <p:txBody>
           <a:bodyPr lIns="0" rIns="0" tIns="0" bIns="0"/>
           <a:p>
-            <a:pPr marL="432000" indent="-323640">
+            <a:pPr marL="432000" indent="-323280">
               <a:lnSpc>
                 <a:spcPct val="100000"/>
               </a:lnSpc>
@@ -4526,6 +4563,7 @@
                   <a:srgbClr val="333333"/>
                 </a:solidFill>
                 <a:latin typeface="Open Sans"/>
+                <a:ea typeface="DejaVu Sans"/>
               </a:rPr>
               <a:t>Programming models of forest fires</a:t>
             </a:r>
@@ -4534,7 +4572,7 @@
             </a:endParaRPr>
           </a:p>
           <a:p>
-            <a:pPr marL="432000" indent="-323640">
+            <a:pPr marL="432000" indent="-323280">
               <a:lnSpc>
                 <a:spcPct val="100000"/>
               </a:lnSpc>
@@ -4554,6 +4592,7 @@
                   <a:srgbClr val="333333"/>
                 </a:solidFill>
                 <a:latin typeface="Open Sans"/>
+                <a:ea typeface="DejaVu Sans"/>
               </a:rPr>
               <a:t>Given current state of the fire, topography and weather: predict future fire boundary</a:t>
             </a:r>
@@ -4562,7 +4601,7 @@
             </a:endParaRPr>
           </a:p>
           <a:p>
-            <a:pPr marL="432000" indent="-323640">
+            <a:pPr marL="432000" indent="-323280">
               <a:lnSpc>
                 <a:spcPct val="100000"/>
               </a:lnSpc>
@@ -4582,6 +4621,7 @@
                   <a:srgbClr val="333333"/>
                 </a:solidFill>
                 <a:latin typeface="Open Sans"/>
+                <a:ea typeface="DejaVu Sans"/>
               </a:rPr>
               <a:t>Short term (hours) and long term (days)</a:t>
             </a:r>
@@ -4649,7 +4689,7 @@
         <p:spPr>
           <a:xfrm>
             <a:off x="720000" y="169920"/>
-            <a:ext cx="8855280" cy="1524240"/>
+            <a:ext cx="8854920" cy="1523880"/>
           </a:xfrm>
           <a:prstGeom prst="rect">
             <a:avLst/>
@@ -4674,6 +4714,7 @@
                   <a:srgbClr val="333333"/>
                 </a:solidFill>
                 <a:latin typeface="Open Sans"/>
+                <a:ea typeface="DejaVu Sans"/>
               </a:rPr>
               <a:t>Programming Experience</a:t>
             </a:r>
@@ -4684,6 +4725,7 @@
                   <a:srgbClr val="333333"/>
                 </a:solidFill>
                 <a:latin typeface="Open Sans"/>
+                <a:ea typeface="DejaVu Sans"/>
               </a:rPr>
               <a:t>Before 1994</a:t>
             </a:r>
@@ -4702,7 +4744,7 @@
         <p:spPr>
           <a:xfrm>
             <a:off x="720000" y="2160000"/>
-            <a:ext cx="8639640" cy="4384440"/>
+            <a:ext cx="8639280" cy="4384080"/>
           </a:xfrm>
           <a:prstGeom prst="rect">
             <a:avLst/>
@@ -4721,7 +4763,7 @@
         <p:txBody>
           <a:bodyPr lIns="0" rIns="0" tIns="0" bIns="0"/>
           <a:p>
-            <a:pPr marL="432000" indent="-323640">
+            <a:pPr marL="432000" indent="-323280">
               <a:lnSpc>
                 <a:spcPct val="100000"/>
               </a:lnSpc>
@@ -4741,6 +4783,7 @@
                   <a:srgbClr val="333333"/>
                 </a:solidFill>
                 <a:latin typeface="Open Sans"/>
+                <a:ea typeface="DejaVu Sans"/>
               </a:rPr>
               <a:t>Studied languages: Fortran, Basic, Pascal, C, C++, Assembler</a:t>
             </a:r>
@@ -4749,7 +4792,7 @@
             </a:endParaRPr>
           </a:p>
           <a:p>
-            <a:pPr marL="432000" indent="-323640">
+            <a:pPr marL="432000" indent="-323280">
               <a:lnSpc>
                 <a:spcPct val="100000"/>
               </a:lnSpc>
@@ -4769,6 +4812,7 @@
                   <a:srgbClr val="333333"/>
                 </a:solidFill>
                 <a:latin typeface="Open Sans"/>
+                <a:ea typeface="DejaVu Sans"/>
               </a:rPr>
               <a:t>Studied Algorithms and software design</a:t>
             </a:r>
@@ -4777,7 +4821,7 @@
             </a:endParaRPr>
           </a:p>
           <a:p>
-            <a:pPr marL="432000" indent="-323640">
+            <a:pPr marL="432000" indent="-323280">
               <a:lnSpc>
                 <a:spcPct val="100000"/>
               </a:lnSpc>
@@ -4797,6 +4841,7 @@
                   <a:srgbClr val="333333"/>
                 </a:solidFill>
                 <a:latin typeface="Open Sans"/>
+                <a:ea typeface="DejaVu Sans"/>
               </a:rPr>
               <a:t>Programmed in all above languages</a:t>
             </a:r>
@@ -4805,7 +4850,7 @@
             </a:endParaRPr>
           </a:p>
           <a:p>
-            <a:pPr marL="432000" indent="-323640">
+            <a:pPr marL="432000" indent="-323280">
               <a:lnSpc>
                 <a:spcPct val="100000"/>
               </a:lnSpc>
@@ -4825,6 +4870,7 @@
                   <a:srgbClr val="333333"/>
                 </a:solidFill>
                 <a:latin typeface="Open Sans"/>
+                <a:ea typeface="DejaVu Sans"/>
               </a:rPr>
               <a:t>Participated in programming contests</a:t>
             </a:r>
@@ -4833,7 +4879,7 @@
             </a:endParaRPr>
           </a:p>
           <a:p>
-            <a:pPr marL="432000" indent="-323640">
+            <a:pPr marL="432000" indent="-323280">
               <a:lnSpc>
                 <a:spcPct val="100000"/>
               </a:lnSpc>
@@ -4853,6 +4899,7 @@
                   <a:srgbClr val="333333"/>
                 </a:solidFill>
                 <a:latin typeface="Open Sans"/>
+                <a:ea typeface="DejaVu Sans"/>
               </a:rPr>
               <a:t>Several internship jobs</a:t>
             </a:r>
@@ -4920,7 +4967,7 @@
         <p:spPr>
           <a:xfrm>
             <a:off x="720000" y="169920"/>
-            <a:ext cx="8855280" cy="1524240"/>
+            <a:ext cx="8854920" cy="1523880"/>
           </a:xfrm>
           <a:prstGeom prst="rect">
             <a:avLst/>
@@ -4945,6 +4992,7 @@
                   <a:srgbClr val="333333"/>
                 </a:solidFill>
                 <a:latin typeface="Open Sans"/>
+                <a:ea typeface="DejaVu Sans"/>
               </a:rPr>
               <a:t>1994-1997</a:t>
             </a:r>
@@ -4955,6 +5003,7 @@
                   <a:srgbClr val="333333"/>
                 </a:solidFill>
                 <a:latin typeface="Open Sans"/>
+                <a:ea typeface="DejaVu Sans"/>
               </a:rPr>
               <a:t>Software Engineer at Elecard</a:t>
             </a:r>
@@ -4973,7 +5022,7 @@
         <p:spPr>
           <a:xfrm>
             <a:off x="720000" y="2160000"/>
-            <a:ext cx="8639640" cy="4384440"/>
+            <a:ext cx="8639280" cy="4384080"/>
           </a:xfrm>
           <a:prstGeom prst="rect">
             <a:avLst/>
@@ -4992,7 +5041,7 @@
         <p:txBody>
           <a:bodyPr lIns="0" rIns="0" tIns="0" bIns="0"/>
           <a:p>
-            <a:pPr marL="432000" indent="-323640">
+            <a:pPr marL="432000" indent="-323280">
               <a:lnSpc>
                 <a:spcPct val="100000"/>
               </a:lnSpc>
@@ -5012,6 +5061,7 @@
                   <a:srgbClr val="333333"/>
                 </a:solidFill>
                 <a:latin typeface="Open Sans"/>
+                <a:ea typeface="DejaVu Sans"/>
               </a:rPr>
               <a:t>Created C++ video processing components for MS-DOS</a:t>
             </a:r>
@@ -5020,7 +5070,7 @@
             </a:endParaRPr>
           </a:p>
           <a:p>
-            <a:pPr marL="432000" indent="-323640">
+            <a:pPr marL="432000" indent="-323280">
               <a:lnSpc>
                 <a:spcPct val="100000"/>
               </a:lnSpc>
@@ -5040,6 +5090,7 @@
                   <a:srgbClr val="333333"/>
                 </a:solidFill>
                 <a:latin typeface="Open Sans"/>
+                <a:ea typeface="DejaVu Sans"/>
               </a:rPr>
               <a:t>Using proprietary Elecard Video Capture boards: created simple 1-to-1 video conferencing software prototype for Windows 3.11 in C++</a:t>
             </a:r>
@@ -5048,7 +5099,7 @@
             </a:endParaRPr>
           </a:p>
           <a:p>
-            <a:pPr marL="432000" indent="-323640">
+            <a:pPr marL="432000" indent="-323280">
               <a:lnSpc>
                 <a:spcPct val="100000"/>
               </a:lnSpc>
@@ -5068,6 +5119,7 @@
                   <a:srgbClr val="333333"/>
                 </a:solidFill>
                 <a:latin typeface="Open Sans"/>
+                <a:ea typeface="DejaVu Sans"/>
               </a:rPr>
               <a:t>Created a number of multi-threaded C++ video processing plug-ins for Windows 95 and NT</a:t>
             </a:r>
@@ -5135,7 +5187,7 @@
         <p:spPr>
           <a:xfrm>
             <a:off x="720000" y="300960"/>
-            <a:ext cx="8855280" cy="1262160"/>
+            <a:ext cx="8854920" cy="1261800"/>
           </a:xfrm>
           <a:prstGeom prst="rect">
             <a:avLst/>
@@ -5160,6 +5212,7 @@
                   <a:srgbClr val="333333"/>
                 </a:solidFill>
                 <a:latin typeface="Open Sans"/>
+                <a:ea typeface="DejaVu Sans"/>
               </a:rPr>
               <a:t>1997: Moved to South Korea</a:t>
             </a:r>
@@ -5178,7 +5231,7 @@
         <p:spPr>
           <a:xfrm>
             <a:off x="720000" y="2160000"/>
-            <a:ext cx="8639640" cy="4384440"/>
+            <a:ext cx="8639280" cy="4384080"/>
           </a:xfrm>
           <a:prstGeom prst="rect">
             <a:avLst/>
@@ -5208,7 +5261,7 @@
         <p:spPr>
           <a:xfrm>
             <a:off x="822960" y="1371600"/>
-            <a:ext cx="7716600" cy="5360760"/>
+            <a:ext cx="7716240" cy="5360400"/>
           </a:xfrm>
           <a:prstGeom prst="rect">
             <a:avLst/>
@@ -5276,7 +5329,7 @@
         <p:spPr>
           <a:xfrm>
             <a:off x="720000" y="169920"/>
-            <a:ext cx="8855280" cy="1524240"/>
+            <a:ext cx="8854920" cy="1523880"/>
           </a:xfrm>
           <a:prstGeom prst="rect">
             <a:avLst/>
@@ -5301,6 +5354,7 @@
                   <a:srgbClr val="333333"/>
                 </a:solidFill>
                 <a:latin typeface="Open Sans"/>
+                <a:ea typeface="DejaVu Sans"/>
               </a:rPr>
               <a:t>1997-2000</a:t>
             </a:r>
@@ -5311,6 +5365,7 @@
                   <a:srgbClr val="333333"/>
                 </a:solidFill>
                 <a:latin typeface="Open Sans"/>
+                <a:ea typeface="DejaVu Sans"/>
               </a:rPr>
               <a:t>Software Engineer at Darim</a:t>
             </a:r>
@@ -5329,7 +5384,7 @@
         <p:spPr>
           <a:xfrm>
             <a:off x="720000" y="2160000"/>
-            <a:ext cx="8639640" cy="4384440"/>
+            <a:ext cx="8639280" cy="4384080"/>
           </a:xfrm>
           <a:prstGeom prst="rect">
             <a:avLst/>
@@ -5348,7 +5403,7 @@
         <p:txBody>
           <a:bodyPr lIns="0" rIns="0" tIns="0" bIns="0"/>
           <a:p>
-            <a:pPr marL="432000" indent="-323640">
+            <a:pPr marL="432000" indent="-323280">
               <a:lnSpc>
                 <a:spcPct val="100000"/>
               </a:lnSpc>
@@ -5368,6 +5423,7 @@
                   <a:srgbClr val="333333"/>
                 </a:solidFill>
                 <a:latin typeface="Open Sans"/>
+                <a:ea typeface="DejaVu Sans"/>
               </a:rPr>
               <a:t>Created Windows COM DLL plug-ins</a:t>
             </a:r>
@@ -5376,7 +5432,7 @@
             </a:endParaRPr>
           </a:p>
           <a:p>
-            <a:pPr marL="432000" indent="-323640">
+            <a:pPr marL="432000" indent="-323280">
               <a:lnSpc>
                 <a:spcPct val="100000"/>
               </a:lnSpc>
@@ -5396,6 +5452,7 @@
                   <a:srgbClr val="333333"/>
                 </a:solidFill>
                 <a:latin typeface="Open Sans"/>
+                <a:ea typeface="DejaVu Sans"/>
               </a:rPr>
               <a:t>Studied Mac OS programming</a:t>
             </a:r>
@@ -5404,7 +5461,7 @@
             </a:endParaRPr>
           </a:p>
           <a:p>
-            <a:pPr marL="432000" indent="-323640">
+            <a:pPr marL="432000" indent="-323280">
               <a:lnSpc>
                 <a:spcPct val="100000"/>
               </a:lnSpc>
@@ -5424,6 +5481,7 @@
                   <a:srgbClr val="333333"/>
                 </a:solidFill>
                 <a:latin typeface="Open Sans"/>
+                <a:ea typeface="DejaVu Sans"/>
               </a:rPr>
               <a:t>Created 1-to-1 Video Conferencing software for Windows using Darim proprietary MPEG video capture boards</a:t>
             </a:r>
@@ -5432,7 +5490,7 @@
             </a:endParaRPr>
           </a:p>
           <a:p>
-            <a:pPr marL="432000" indent="-323640">
+            <a:pPr marL="432000" indent="-323280">
               <a:lnSpc>
                 <a:spcPct val="100000"/>
               </a:lnSpc>
@@ -5452,6 +5510,7 @@
                   <a:srgbClr val="333333"/>
                 </a:solidFill>
                 <a:latin typeface="Open Sans"/>
+                <a:ea typeface="DejaVu Sans"/>
               </a:rPr>
               <a:t>Created prototype multi-user distance learning software for Windows. Both realtime (multicast) and on-demand.</a:t>
             </a:r>
@@ -5460,7 +5519,7 @@
             </a:endParaRPr>
           </a:p>
           <a:p>
-            <a:pPr marL="432000" indent="-323640">
+            <a:pPr marL="432000" indent="-323280">
               <a:lnSpc>
                 <a:spcPct val="100000"/>
               </a:lnSpc>
@@ -5480,6 +5539,7 @@
                   <a:srgbClr val="333333"/>
                 </a:solidFill>
                 <a:latin typeface="Open Sans"/>
+                <a:ea typeface="DejaVu Sans"/>
               </a:rPr>
               <a:t>Lead team of 4 software engineers</a:t>
             </a:r>
@@ -5547,7 +5607,7 @@
         <p:spPr>
           <a:xfrm>
             <a:off x="720000" y="169920"/>
-            <a:ext cx="8855280" cy="1524240"/>
+            <a:ext cx="8854920" cy="1523880"/>
           </a:xfrm>
           <a:prstGeom prst="rect">
             <a:avLst/>
@@ -5572,6 +5632,7 @@
                   <a:srgbClr val="333333"/>
                 </a:solidFill>
                 <a:latin typeface="Open Sans"/>
+                <a:ea typeface="DejaVu Sans"/>
               </a:rPr>
               <a:t>2000: Moved to USA</a:t>
             </a:r>
@@ -5581,6 +5642,7 @@
                   <a:srgbClr val="333333"/>
                 </a:solidFill>
                 <a:latin typeface="Open Sans"/>
+                <a:ea typeface="DejaVu Sans"/>
               </a:rPr>
               <a:t> </a:t>
             </a:r>
@@ -5599,7 +5661,7 @@
         <p:spPr>
           <a:xfrm>
             <a:off x="720000" y="2160000"/>
-            <a:ext cx="8639640" cy="4384440"/>
+            <a:ext cx="8639280" cy="4384080"/>
           </a:xfrm>
           <a:prstGeom prst="rect">
             <a:avLst/>
@@ -5674,7 +5736,7 @@
         <p:spPr>
           <a:xfrm>
             <a:off x="720000" y="169920"/>
-            <a:ext cx="8855280" cy="1524240"/>
+            <a:ext cx="8854920" cy="1523880"/>
           </a:xfrm>
           <a:prstGeom prst="rect">
             <a:avLst/>
@@ -5699,6 +5761,7 @@
                   <a:srgbClr val="333333"/>
                 </a:solidFill>
                 <a:latin typeface="Open Sans"/>
+                <a:ea typeface="DejaVu Sans"/>
               </a:rPr>
               <a:t>2000-2009: Software Engineer, Architect, Team Lead at Lenel</a:t>
             </a:r>
@@ -5708,6 +5771,7 @@
                   <a:srgbClr val="333333"/>
                 </a:solidFill>
                 <a:latin typeface="Open Sans"/>
+                <a:ea typeface="DejaVu Sans"/>
               </a:rPr>
               <a:t> </a:t>
             </a:r>
@@ -5726,7 +5790,7 @@
         <p:spPr>
           <a:xfrm>
             <a:off x="720000" y="2160000"/>
-            <a:ext cx="8639640" cy="4384440"/>
+            <a:ext cx="8639280" cy="4384080"/>
           </a:xfrm>
           <a:prstGeom prst="rect">
             <a:avLst/>
@@ -5745,7 +5809,7 @@
         <p:txBody>
           <a:bodyPr lIns="0" rIns="0" tIns="0" bIns="0"/>
           <a:p>
-            <a:pPr marL="432000" indent="-323640">
+            <a:pPr marL="432000" indent="-323280">
               <a:lnSpc>
                 <a:spcPct val="100000"/>
               </a:lnSpc>
@@ -5765,6 +5829,7 @@
                   <a:srgbClr val="333333"/>
                 </a:solidFill>
                 <a:latin typeface="Open Sans"/>
+                <a:ea typeface="DejaVu Sans"/>
               </a:rPr>
               <a:t>Windows-based software design &amp; development. Mainly C++, some C#, JavaScript</a:t>
             </a:r>
@@ -5773,7 +5838,7 @@
             </a:endParaRPr>
           </a:p>
           <a:p>
-            <a:pPr marL="432000" indent="-323640">
+            <a:pPr marL="432000" indent="-323280">
               <a:lnSpc>
                 <a:spcPct val="100000"/>
               </a:lnSpc>
@@ -5793,6 +5858,7 @@
                   <a:srgbClr val="333333"/>
                 </a:solidFill>
                 <a:latin typeface="Open Sans"/>
+                <a:ea typeface="DejaVu Sans"/>
               </a:rPr>
               <a:t>Integrated third-party hardware into the solution</a:t>
             </a:r>
@@ -5801,7 +5867,7 @@
             </a:endParaRPr>
           </a:p>
           <a:p>
-            <a:pPr marL="432000" indent="-323640">
+            <a:pPr marL="432000" indent="-323280">
               <a:lnSpc>
                 <a:spcPct val="100000"/>
               </a:lnSpc>
@@ -5821,6 +5887,7 @@
                   <a:srgbClr val="333333"/>
                 </a:solidFill>
                 <a:latin typeface="Open Sans"/>
+                <a:ea typeface="DejaVu Sans"/>
               </a:rPr>
               <a:t>Designed and implemented software architecture that allowed to increase programmer’s productivity about 100 times</a:t>
             </a:r>
@@ -5829,7 +5896,7 @@
             </a:endParaRPr>
           </a:p>
           <a:p>
-            <a:pPr marL="432000" indent="-323640">
+            <a:pPr marL="432000" indent="-323280">
               <a:lnSpc>
                 <a:spcPct val="100000"/>
               </a:lnSpc>
@@ -5849,6 +5916,7 @@
                   <a:srgbClr val="333333"/>
                 </a:solidFill>
                 <a:latin typeface="Open Sans"/>
+                <a:ea typeface="DejaVu Sans"/>
               </a:rPr>
               <a:t>Lead team of 7 software engineers through 4 ship cycles of the software</a:t>
             </a:r>
@@ -5857,7 +5925,7 @@
             </a:endParaRPr>
           </a:p>
           <a:p>
-            <a:pPr marL="432000" indent="-323640">
+            <a:pPr marL="432000" indent="-323280">
               <a:lnSpc>
                 <a:spcPct val="100000"/>
               </a:lnSpc>
@@ -5877,6 +5945,7 @@
                   <a:srgbClr val="333333"/>
                 </a:solidFill>
                 <a:latin typeface="Open Sans"/>
+                <a:ea typeface="DejaVu Sans"/>
               </a:rPr>
               <a:t>Defined product architecture; security, test-driven development guidelines, ...</a:t>
             </a:r>

--- a/Term1 Computer Vision and Deep Learning/history.pptx
+++ b/Term1 Computer Vision and Deep Learning/history.pptx
@@ -20,6 +20,7 @@
     <p:sldId id="267" r:id="rId15"/>
     <p:sldId id="268" r:id="rId16"/>
     <p:sldId id="269" r:id="rId17"/>
+    <p:sldId id="270" r:id="rId18"/>
   </p:sldIdLst>
   <p:sldSz cx="10080625" cy="7559675"/>
   <p:notesSz cx="7772400" cy="10058400"/>
@@ -2716,7 +2717,7 @@
         <p:spPr>
           <a:xfrm>
             <a:off x="0" y="4320000"/>
-            <a:ext cx="503280" cy="1079280"/>
+            <a:ext cx="502920" cy="1078920"/>
           </a:xfrm>
           <a:prstGeom prst="rect">
             <a:avLst/>
@@ -2747,8 +2748,8 @@
         </p:nvSpPr>
         <p:spPr>
           <a:xfrm>
-            <a:off x="720000" y="300960"/>
-            <a:ext cx="8854920" cy="1261800"/>
+            <a:off x="504000" y="301320"/>
+            <a:ext cx="9072000" cy="1261800"/>
           </a:xfrm>
           <a:prstGeom prst="rect">
             <a:avLst/>
@@ -2757,13 +2758,14 @@
         <p:txBody>
           <a:bodyPr lIns="0" rIns="0" tIns="0" bIns="0" anchor="ctr"/>
           <a:p>
-            <a:r>
-              <a:rPr b="0" lang="en-US" sz="1800" spc="-1" strike="noStrike">
+            <a:pPr algn="ctr"/>
+            <a:r>
+              <a:rPr b="0" lang="en-US" sz="4400" spc="-1" strike="noStrike">
                 <a:latin typeface="Arial"/>
               </a:rPr>
               <a:t>Click to edit the title text format</a:t>
             </a:r>
-            <a:endParaRPr b="0" lang="en-US" sz="1800" spc="-1" strike="noStrike">
+            <a:endParaRPr b="0" lang="en-US" sz="4400" spc="-1" strike="noStrike">
               <a:latin typeface="Arial"/>
             </a:endParaRPr>
           </a:p>
@@ -2781,8 +2783,8 @@
         </p:nvSpPr>
         <p:spPr>
           <a:xfrm>
-            <a:off x="720000" y="2160000"/>
-            <a:ext cx="8639280" cy="4384080"/>
+            <a:off x="504000" y="1768680"/>
+            <a:ext cx="9072000" cy="4384080"/>
           </a:xfrm>
           <a:prstGeom prst="rect">
             <a:avLst/>
@@ -2805,12 +2807,12 @@
               <a:buChar char=""/>
             </a:pPr>
             <a:r>
-              <a:rPr b="0" lang="en-US" sz="1800" spc="-1" strike="noStrike">
+              <a:rPr b="0" lang="en-US" sz="3200" spc="-1" strike="noStrike">
                 <a:latin typeface="Arial"/>
               </a:rPr>
               <a:t>Click to edit the outline text format</a:t>
             </a:r>
-            <a:endParaRPr b="0" lang="en-US" sz="1800" spc="-1" strike="noStrike">
+            <a:endParaRPr b="0" lang="en-US" sz="3200" spc="-1" strike="noStrike">
               <a:latin typeface="Arial"/>
             </a:endParaRPr>
           </a:p>
@@ -2827,12 +2829,12 @@
               <a:buChar char=""/>
             </a:pPr>
             <a:r>
-              <a:rPr b="0" lang="en-US" sz="1800" spc="-1" strike="noStrike">
+              <a:rPr b="0" lang="en-US" sz="2800" spc="-1" strike="noStrike">
                 <a:latin typeface="Arial"/>
               </a:rPr>
               <a:t>Second Outline Level</a:t>
             </a:r>
-            <a:endParaRPr b="0" lang="en-US" sz="1800" spc="-1" strike="noStrike">
+            <a:endParaRPr b="0" lang="en-US" sz="2800" spc="-1" strike="noStrike">
               <a:latin typeface="Arial"/>
             </a:endParaRPr>
           </a:p>
@@ -2849,12 +2851,12 @@
               <a:buChar char=""/>
             </a:pPr>
             <a:r>
-              <a:rPr b="0" lang="en-US" sz="1800" spc="-1" strike="noStrike">
+              <a:rPr b="0" lang="en-US" sz="2400" spc="-1" strike="noStrike">
                 <a:latin typeface="Arial"/>
               </a:rPr>
               <a:t>Third Outline Level</a:t>
             </a:r>
-            <a:endParaRPr b="0" lang="en-US" sz="1800" spc="-1" strike="noStrike">
+            <a:endParaRPr b="0" lang="en-US" sz="2400" spc="-1" strike="noStrike">
               <a:latin typeface="Arial"/>
             </a:endParaRPr>
           </a:p>
@@ -2871,12 +2873,12 @@
               <a:buChar char=""/>
             </a:pPr>
             <a:r>
-              <a:rPr b="0" lang="en-US" sz="1800" spc="-1" strike="noStrike">
+              <a:rPr b="0" lang="en-US" sz="2000" spc="-1" strike="noStrike">
                 <a:latin typeface="Arial"/>
               </a:rPr>
               <a:t>Fourth Outline Level</a:t>
             </a:r>
-            <a:endParaRPr b="0" lang="en-US" sz="1800" spc="-1" strike="noStrike">
+            <a:endParaRPr b="0" lang="en-US" sz="2000" spc="-1" strike="noStrike">
               <a:latin typeface="Arial"/>
             </a:endParaRPr>
           </a:p>
@@ -2893,12 +2895,12 @@
               <a:buChar char=""/>
             </a:pPr>
             <a:r>
-              <a:rPr b="0" lang="en-US" sz="1800" spc="-1" strike="noStrike">
+              <a:rPr b="0" lang="en-US" sz="2000" spc="-1" strike="noStrike">
                 <a:latin typeface="Arial"/>
               </a:rPr>
               <a:t>Fifth Outline Level</a:t>
             </a:r>
-            <a:endParaRPr b="0" lang="en-US" sz="1800" spc="-1" strike="noStrike">
+            <a:endParaRPr b="0" lang="en-US" sz="2000" spc="-1" strike="noStrike">
               <a:latin typeface="Arial"/>
             </a:endParaRPr>
           </a:p>
@@ -2915,12 +2917,12 @@
               <a:buChar char=""/>
             </a:pPr>
             <a:r>
-              <a:rPr b="0" lang="en-US" sz="1800" spc="-1" strike="noStrike">
+              <a:rPr b="0" lang="en-US" sz="2000" spc="-1" strike="noStrike">
                 <a:latin typeface="Arial"/>
               </a:rPr>
               <a:t>Sixth Outline Level</a:t>
             </a:r>
-            <a:endParaRPr b="0" lang="en-US" sz="1800" spc="-1" strike="noStrike">
+            <a:endParaRPr b="0" lang="en-US" sz="2000" spc="-1" strike="noStrike">
               <a:latin typeface="Arial"/>
             </a:endParaRPr>
           </a:p>
@@ -2937,12 +2939,12 @@
               <a:buChar char=""/>
             </a:pPr>
             <a:r>
-              <a:rPr b="0" lang="en-US" sz="1800" spc="-1" strike="noStrike">
+              <a:rPr b="0" lang="en-US" sz="2000" spc="-1" strike="noStrike">
                 <a:latin typeface="Arial"/>
               </a:rPr>
               <a:t>Seventh Outline Level</a:t>
             </a:r>
-            <a:endParaRPr b="0" lang="en-US" sz="1800" spc="-1" strike="noStrike">
+            <a:endParaRPr b="0" lang="en-US" sz="2000" spc="-1" strike="noStrike">
               <a:latin typeface="Arial"/>
             </a:endParaRPr>
           </a:p>
@@ -2994,7 +2996,7 @@
         <p:spPr>
           <a:xfrm>
             <a:off x="0" y="288000"/>
-            <a:ext cx="503280" cy="1079280"/>
+            <a:ext cx="502920" cy="1078920"/>
           </a:xfrm>
           <a:prstGeom prst="rect">
             <a:avLst/>
@@ -3273,7 +3275,7 @@
         <p:spPr>
           <a:xfrm>
             <a:off x="792000" y="4104000"/>
-            <a:ext cx="8567280" cy="1439280"/>
+            <a:ext cx="8566920" cy="1438920"/>
           </a:xfrm>
           <a:prstGeom prst="rect">
             <a:avLst/>
@@ -3309,6 +3311,16 @@
             </a:endParaRPr>
           </a:p>
           <a:p>
+            <a:r>
+              <a:rPr b="0" lang="en-US" sz="4800" spc="-1" strike="noStrike">
+                <a:solidFill>
+                  <a:srgbClr val="000000"/>
+                </a:solidFill>
+                <a:latin typeface="Arial"/>
+                <a:ea typeface="DejaVu Sans"/>
+              </a:rPr>
+              <a:t>Software Architect</a:t>
+            </a:r>
             <a:endParaRPr b="0" lang="en-US" sz="4800" spc="-1" strike="noStrike">
               <a:latin typeface="Arial"/>
             </a:endParaRPr>
@@ -3324,7 +3336,7 @@
         <p:spPr>
           <a:xfrm>
             <a:off x="792000" y="5904000"/>
-            <a:ext cx="8567280" cy="981720"/>
+            <a:ext cx="8566920" cy="981360"/>
           </a:xfrm>
           <a:prstGeom prst="rect">
             <a:avLst/>
@@ -3415,14 +3427,14 @@
       </p:grpSpPr>
       <p:sp>
         <p:nvSpPr>
-          <p:cNvPr id="97" name="CustomShape 1"/>
+          <p:cNvPr id="98" name="CustomShape 1"/>
           <p:cNvSpPr/>
           <p:nvPr/>
         </p:nvSpPr>
         <p:spPr>
           <a:xfrm>
             <a:off x="720000" y="169920"/>
-            <a:ext cx="8854920" cy="1523880"/>
+            <a:ext cx="8854560" cy="1523520"/>
           </a:xfrm>
           <a:prstGeom prst="rect">
             <a:avLst/>
@@ -3449,24 +3461,34 @@
                 <a:latin typeface="Open Sans"/>
                 <a:ea typeface="DejaVu Sans"/>
               </a:rPr>
-              <a:t>2009: Independent Software Engineer</a:t>
-            </a:r>
-            <a:endParaRPr b="0" lang="en-US" sz="4400" spc="-1" strike="noStrike">
-              <a:latin typeface="Arial"/>
-            </a:endParaRPr>
-          </a:p>
-        </p:txBody>
-      </p:sp>
-      <p:sp>
-        <p:nvSpPr>
-          <p:cNvPr id="98" name="CustomShape 2"/>
+              <a:t>2000-2009: Software Engineer, Architect, Team Lead at Lenel</a:t>
+            </a:r>
+            <a:r>
+              <a:rPr b="0" lang="en-US" sz="1800" spc="-1" strike="noStrike">
+                <a:solidFill>
+                  <a:srgbClr val="333333"/>
+                </a:solidFill>
+                <a:latin typeface="Open Sans"/>
+                <a:ea typeface="DejaVu Sans"/>
+              </a:rPr>
+              <a:t> </a:t>
+            </a:r>
+            <a:endParaRPr b="0" lang="en-US" sz="1800" spc="-1" strike="noStrike">
+              <a:latin typeface="Arial"/>
+            </a:endParaRPr>
+          </a:p>
+        </p:txBody>
+      </p:sp>
+      <p:sp>
+        <p:nvSpPr>
+          <p:cNvPr id="99" name="CustomShape 2"/>
           <p:cNvSpPr/>
           <p:nvPr/>
         </p:nvSpPr>
         <p:spPr>
           <a:xfrm>
             <a:off x="720000" y="2160000"/>
-            <a:ext cx="8639280" cy="4384080"/>
+            <a:ext cx="8638920" cy="4383720"/>
           </a:xfrm>
           <a:prstGeom prst="rect">
             <a:avLst/>
@@ -3485,7 +3507,7 @@
         <p:txBody>
           <a:bodyPr lIns="0" rIns="0" tIns="0" bIns="0"/>
           <a:p>
-            <a:pPr marL="432000" indent="-323280">
+            <a:pPr marL="432000" indent="-322920">
               <a:lnSpc>
                 <a:spcPct val="100000"/>
               </a:lnSpc>
@@ -3507,14 +3529,14 @@
                 <a:latin typeface="Open Sans"/>
                 <a:ea typeface="DejaVu Sans"/>
               </a:rPr>
-              <a:t>Studied Cloud technologies: Azure, AWS, Google</a:t>
+              <a:t>Windows-based software design &amp; development. Mainly C++, some C#, JavaScript</a:t>
             </a:r>
             <a:endParaRPr b="0" lang="en-US" sz="2800" spc="-1" strike="noStrike">
               <a:latin typeface="Arial"/>
             </a:endParaRPr>
           </a:p>
           <a:p>
-            <a:pPr marL="432000" indent="-323280">
+            <a:pPr marL="432000" indent="-322920">
               <a:lnSpc>
                 <a:spcPct val="100000"/>
               </a:lnSpc>
@@ -3536,7 +3558,94 @@
                 <a:latin typeface="Open Sans"/>
                 <a:ea typeface="DejaVu Sans"/>
               </a:rPr>
-              <a:t>Studied programming of cell-phones. Created 13 iPhone apps</a:t>
+              <a:t>Integrated third-party hardware into the solution</a:t>
+            </a:r>
+            <a:endParaRPr b="0" lang="en-US" sz="2800" spc="-1" strike="noStrike">
+              <a:latin typeface="Arial"/>
+            </a:endParaRPr>
+          </a:p>
+          <a:p>
+            <a:pPr marL="432000" indent="-322920">
+              <a:lnSpc>
+                <a:spcPct val="100000"/>
+              </a:lnSpc>
+              <a:spcAft>
+                <a:spcPts val="1414"/>
+              </a:spcAft>
+              <a:buClr>
+                <a:srgbClr val="ef2929"/>
+              </a:buClr>
+              <a:buSzPct val="45000"/>
+              <a:buFont typeface="Wingdings" charset="2"/>
+              <a:buChar char=""/>
+            </a:pPr>
+            <a:r>
+              <a:rPr b="0" lang="en-US" sz="2800" spc="-1" strike="noStrike">
+                <a:solidFill>
+                  <a:srgbClr val="333333"/>
+                </a:solidFill>
+                <a:latin typeface="Open Sans"/>
+                <a:ea typeface="DejaVu Sans"/>
+              </a:rPr>
+              <a:t>Designed and implemented software architecture that allowed to increase programmer’s productivity about 100 times</a:t>
+            </a:r>
+            <a:endParaRPr b="0" lang="en-US" sz="2800" spc="-1" strike="noStrike">
+              <a:latin typeface="Arial"/>
+            </a:endParaRPr>
+          </a:p>
+          <a:p>
+            <a:pPr marL="432000" indent="-322920">
+              <a:lnSpc>
+                <a:spcPct val="100000"/>
+              </a:lnSpc>
+              <a:spcAft>
+                <a:spcPts val="1414"/>
+              </a:spcAft>
+              <a:buClr>
+                <a:srgbClr val="ef2929"/>
+              </a:buClr>
+              <a:buSzPct val="45000"/>
+              <a:buFont typeface="Wingdings" charset="2"/>
+              <a:buChar char=""/>
+            </a:pPr>
+            <a:r>
+              <a:rPr b="0" lang="en-US" sz="2800" spc="-1" strike="noStrike">
+                <a:solidFill>
+                  <a:srgbClr val="333333"/>
+                </a:solidFill>
+                <a:latin typeface="Open Sans"/>
+                <a:ea typeface="DejaVu Sans"/>
+              </a:rPr>
+              <a:t>Lead team of 7 software engineers through 4 ship cycles of the software</a:t>
+            </a:r>
+            <a:endParaRPr b="0" lang="en-US" sz="2800" spc="-1" strike="noStrike">
+              <a:latin typeface="Arial"/>
+            </a:endParaRPr>
+          </a:p>
+          <a:p>
+            <a:pPr marL="432000" indent="-322920">
+              <a:lnSpc>
+                <a:spcPct val="100000"/>
+              </a:lnSpc>
+              <a:spcAft>
+                <a:spcPts val="1414"/>
+              </a:spcAft>
+              <a:buClr>
+                <a:srgbClr val="ef2929"/>
+              </a:buClr>
+              <a:buSzPct val="45000"/>
+              <a:buFont typeface="Wingdings" charset="2"/>
+              <a:buChar char=""/>
+            </a:pPr>
+            <a:r>
+              <a:rPr b="0" lang="en-US" sz="2800" spc="-1" strike="noStrike">
+                <a:solidFill>
+                  <a:srgbClr val="333333"/>
+                </a:solidFill>
+                <a:latin typeface="Open Sans"/>
+                <a:ea typeface="DejaVu Sans"/>
+              </a:rPr>
+              <a:t>Defined product architecture; security, test-driven development guidelines, ...</a:t>
             </a:r>
             <a:endParaRPr b="0" lang="en-US" sz="2800" spc="-1" strike="noStrike">
               <a:latin typeface="Arial"/>
@@ -3595,14 +3704,14 @@
       </p:grpSpPr>
       <p:sp>
         <p:nvSpPr>
-          <p:cNvPr id="99" name="CustomShape 1"/>
+          <p:cNvPr id="100" name="CustomShape 1"/>
           <p:cNvSpPr/>
           <p:nvPr/>
         </p:nvSpPr>
         <p:spPr>
           <a:xfrm>
             <a:off x="720000" y="169920"/>
-            <a:ext cx="8854920" cy="1523880"/>
+            <a:ext cx="8854560" cy="1523520"/>
           </a:xfrm>
           <a:prstGeom prst="rect">
             <a:avLst/>
@@ -3629,7 +3738,7 @@
                 <a:latin typeface="Open Sans"/>
                 <a:ea typeface="DejaVu Sans"/>
               </a:rPr>
-              <a:t>2010-Now: Founded DComplex</a:t>
+              <a:t>2009: Independent Software Engineer</a:t>
             </a:r>
             <a:endParaRPr b="0" lang="en-US" sz="4400" spc="-1" strike="noStrike">
               <a:latin typeface="Arial"/>
@@ -3639,14 +3748,14 @@
       </p:sp>
       <p:sp>
         <p:nvSpPr>
-          <p:cNvPr id="100" name="CustomShape 2"/>
+          <p:cNvPr id="101" name="CustomShape 2"/>
           <p:cNvSpPr/>
           <p:nvPr/>
         </p:nvSpPr>
         <p:spPr>
           <a:xfrm>
             <a:off x="720000" y="2160000"/>
-            <a:ext cx="8639280" cy="4384080"/>
+            <a:ext cx="8638920" cy="4383720"/>
           </a:xfrm>
           <a:prstGeom prst="rect">
             <a:avLst/>
@@ -3665,7 +3774,7 @@
         <p:txBody>
           <a:bodyPr lIns="0" rIns="0" tIns="0" bIns="0"/>
           <a:p>
-            <a:pPr marL="432000" indent="-323280">
+            <a:pPr marL="432000" indent="-322920">
               <a:lnSpc>
                 <a:spcPct val="100000"/>
               </a:lnSpc>
@@ -3687,14 +3796,14 @@
                 <a:latin typeface="Open Sans"/>
                 <a:ea typeface="DejaVu Sans"/>
               </a:rPr>
-              <a:t>Designed and implemented high performance distributed cross platform (macOS, Windows, Linux, Android, iOS) video surveillance software</a:t>
+              <a:t>Studied Cloud technologies: Azure, AWS, Google</a:t>
             </a:r>
             <a:endParaRPr b="0" lang="en-US" sz="2800" spc="-1" strike="noStrike">
               <a:latin typeface="Arial"/>
             </a:endParaRPr>
           </a:p>
           <a:p>
-            <a:pPr marL="432000" indent="-323280">
+            <a:pPr marL="432000" indent="-322920">
               <a:lnSpc>
                 <a:spcPct val="100000"/>
               </a:lnSpc>
@@ -3716,7 +3825,7 @@
                 <a:latin typeface="Open Sans"/>
                 <a:ea typeface="DejaVu Sans"/>
               </a:rPr>
-              <a:t>Worked with third parties and licensed it to them</a:t>
+              <a:t>Studied programming of cell-phones. Created 13 iPhone apps</a:t>
             </a:r>
             <a:endParaRPr b="0" lang="en-US" sz="2800" spc="-1" strike="noStrike">
               <a:latin typeface="Arial"/>
@@ -3775,14 +3884,14 @@
       </p:grpSpPr>
       <p:sp>
         <p:nvSpPr>
-          <p:cNvPr id="101" name="CustomShape 1"/>
+          <p:cNvPr id="102" name="CustomShape 1"/>
           <p:cNvSpPr/>
           <p:nvPr/>
         </p:nvSpPr>
         <p:spPr>
           <a:xfrm>
             <a:off x="720000" y="169920"/>
-            <a:ext cx="8854920" cy="1523880"/>
+            <a:ext cx="8854560" cy="1523520"/>
           </a:xfrm>
           <a:prstGeom prst="rect">
             <a:avLst/>
@@ -3809,7 +3918,7 @@
                 <a:latin typeface="Open Sans"/>
                 <a:ea typeface="DejaVu Sans"/>
               </a:rPr>
-              <a:t>Learning</a:t>
+              <a:t>2010-Now: Founded DComplex</a:t>
             </a:r>
             <a:endParaRPr b="0" lang="en-US" sz="4400" spc="-1" strike="noStrike">
               <a:latin typeface="Arial"/>
@@ -3819,14 +3928,14 @@
       </p:sp>
       <p:sp>
         <p:nvSpPr>
-          <p:cNvPr id="102" name="CustomShape 2"/>
+          <p:cNvPr id="103" name="CustomShape 2"/>
           <p:cNvSpPr/>
           <p:nvPr/>
         </p:nvSpPr>
         <p:spPr>
           <a:xfrm>
             <a:off x="720000" y="2160000"/>
-            <a:ext cx="8639280" cy="4384080"/>
+            <a:ext cx="8638920" cy="4383720"/>
           </a:xfrm>
           <a:prstGeom prst="rect">
             <a:avLst/>
@@ -3845,7 +3954,7 @@
         <p:txBody>
           <a:bodyPr lIns="0" rIns="0" tIns="0" bIns="0"/>
           <a:p>
-            <a:pPr marL="432000" indent="-323280">
+            <a:pPr marL="432000" indent="-322920">
               <a:lnSpc>
                 <a:spcPct val="100000"/>
               </a:lnSpc>
@@ -3867,14 +3976,14 @@
                 <a:latin typeface="Open Sans"/>
                 <a:ea typeface="DejaVu Sans"/>
               </a:rPr>
-              <a:t>Udacity: completed Self-Driving Car Nanodegree. Studied 12 AI, ML, DL and etc courses</a:t>
+              <a:t>Designed and implemented high performance distributed cross platform (macOS, Windows, Linux, Android, iOS) video surveillance software</a:t>
             </a:r>
             <a:endParaRPr b="0" lang="en-US" sz="2800" spc="-1" strike="noStrike">
               <a:latin typeface="Arial"/>
             </a:endParaRPr>
           </a:p>
           <a:p>
-            <a:pPr marL="432000" indent="-323280">
+            <a:pPr marL="432000" indent="-322920">
               <a:lnSpc>
                 <a:spcPct val="100000"/>
               </a:lnSpc>
@@ -3896,7 +4005,7 @@
                 <a:latin typeface="Open Sans"/>
                 <a:ea typeface="DejaVu Sans"/>
               </a:rPr>
-              <a:t>edx.org, Coursera, …: studied dozens of AI, Computer Vision, Robotics, and etc courses</a:t>
+              <a:t>Worked with third parties and licensed it to them</a:t>
             </a:r>
             <a:endParaRPr b="0" lang="en-US" sz="2800" spc="-1" strike="noStrike">
               <a:latin typeface="Arial"/>
@@ -3955,14 +4064,14 @@
       </p:grpSpPr>
       <p:sp>
         <p:nvSpPr>
-          <p:cNvPr id="103" name="CustomShape 1"/>
+          <p:cNvPr id="104" name="CustomShape 1"/>
           <p:cNvSpPr/>
           <p:nvPr/>
         </p:nvSpPr>
         <p:spPr>
           <a:xfrm>
-            <a:off x="720000" y="300960"/>
-            <a:ext cx="8854920" cy="1261800"/>
+            <a:off x="720000" y="169920"/>
+            <a:ext cx="8854560" cy="1523520"/>
           </a:xfrm>
           <a:prstGeom prst="rect">
             <a:avLst/>
@@ -3981,53 +4090,109 @@
         <p:txBody>
           <a:bodyPr lIns="0" rIns="0" tIns="0" bIns="0" anchor="ctr"/>
           <a:p>
-            <a:pPr algn="ctr">
+            <a:r>
+              <a:rPr b="1" lang="en-US" sz="4400" spc="-1" strike="noStrike">
+                <a:solidFill>
+                  <a:srgbClr val="333333"/>
+                </a:solidFill>
+                <a:latin typeface="Open Sans"/>
+                <a:ea typeface="DejaVu Sans"/>
+              </a:rPr>
+              <a:t>Learning</a:t>
+            </a:r>
+            <a:endParaRPr b="0" lang="en-US" sz="4400" spc="-1" strike="noStrike">
+              <a:latin typeface="Arial"/>
+            </a:endParaRPr>
+          </a:p>
+        </p:txBody>
+      </p:sp>
+      <p:sp>
+        <p:nvSpPr>
+          <p:cNvPr id="105" name="CustomShape 2"/>
+          <p:cNvSpPr/>
+          <p:nvPr/>
+        </p:nvSpPr>
+        <p:spPr>
+          <a:xfrm>
+            <a:off x="720000" y="2160000"/>
+            <a:ext cx="8638920" cy="4383720"/>
+          </a:xfrm>
+          <a:prstGeom prst="rect">
+            <a:avLst/>
+          </a:prstGeom>
+          <a:noFill/>
+          <a:ln>
+            <a:noFill/>
+          </a:ln>
+        </p:spPr>
+        <p:style>
+          <a:lnRef idx="0"/>
+          <a:fillRef idx="0"/>
+          <a:effectRef idx="0"/>
+          <a:fontRef idx="minor"/>
+        </p:style>
+        <p:txBody>
+          <a:bodyPr lIns="0" rIns="0" tIns="0" bIns="0"/>
+          <a:p>
+            <a:pPr marL="432000" indent="-322920">
               <a:lnSpc>
                 <a:spcPct val="100000"/>
               </a:lnSpc>
+              <a:spcAft>
+                <a:spcPts val="1414"/>
+              </a:spcAft>
+              <a:buClr>
+                <a:srgbClr val="ef2929"/>
+              </a:buClr>
+              <a:buSzPct val="45000"/>
+              <a:buFont typeface="Wingdings" charset="2"/>
+              <a:buChar char=""/>
             </a:pPr>
             <a:r>
-              <a:rPr b="0" lang="en-US" sz="4400" spc="-1" strike="noStrike">
-                <a:latin typeface="Arial"/>
-              </a:rPr>
-              <a:t>Architecture Example: DirectShow</a:t>
-            </a:r>
-            <a:br/>
-            <a:r>
-              <a:rPr b="0" lang="en-US" sz="1400" spc="-1" strike="noStrike">
-                <a:latin typeface="Arial"/>
-              </a:rPr>
-              <a:t>Pictures from Microsoft blog and Amazon</a:t>
-            </a:r>
-            <a:endParaRPr b="0" lang="en-US" sz="1400" spc="-1" strike="noStrike">
-              <a:latin typeface="Arial"/>
-            </a:endParaRPr>
-          </a:p>
-        </p:txBody>
-      </p:sp>
-      <p:pic>
-        <p:nvPicPr>
-          <p:cNvPr id="104" name="" descr=""/>
-          <p:cNvPicPr/>
-          <p:nvPr/>
-        </p:nvPicPr>
-        <p:blipFill>
-          <a:blip r:embed="rId1"/>
-          <a:stretch/>
-        </p:blipFill>
-        <p:spPr>
-          <a:xfrm>
-            <a:off x="2377440" y="3152880"/>
-            <a:ext cx="5368320" cy="2516040"/>
-          </a:xfrm>
-          <a:prstGeom prst="rect">
-            <a:avLst/>
-          </a:prstGeom>
-          <a:ln>
-            <a:noFill/>
-          </a:ln>
-        </p:spPr>
-      </p:pic>
+              <a:rPr b="0" lang="en-US" sz="2800" spc="-1" strike="noStrike">
+                <a:solidFill>
+                  <a:srgbClr val="333333"/>
+                </a:solidFill>
+                <a:latin typeface="Open Sans"/>
+                <a:ea typeface="DejaVu Sans"/>
+              </a:rPr>
+              <a:t>Udacity: completed Self-Driving Car Nanodegree. Studied 12 AI, ML, DL and etc courses</a:t>
+            </a:r>
+            <a:endParaRPr b="0" lang="en-US" sz="2800" spc="-1" strike="noStrike">
+              <a:latin typeface="Arial"/>
+            </a:endParaRPr>
+          </a:p>
+          <a:p>
+            <a:pPr marL="432000" indent="-322920">
+              <a:lnSpc>
+                <a:spcPct val="100000"/>
+              </a:lnSpc>
+              <a:spcAft>
+                <a:spcPts val="1414"/>
+              </a:spcAft>
+              <a:buClr>
+                <a:srgbClr val="ef2929"/>
+              </a:buClr>
+              <a:buSzPct val="45000"/>
+              <a:buFont typeface="Wingdings" charset="2"/>
+              <a:buChar char=""/>
+            </a:pPr>
+            <a:r>
+              <a:rPr b="0" lang="en-US" sz="2800" spc="-1" strike="noStrike">
+                <a:solidFill>
+                  <a:srgbClr val="333333"/>
+                </a:solidFill>
+                <a:latin typeface="Open Sans"/>
+                <a:ea typeface="DejaVu Sans"/>
+              </a:rPr>
+              <a:t>edx.org, Coursera, …: studied dozens of AI, Computer Vision, Robotics, and etc courses</a:t>
+            </a:r>
+            <a:endParaRPr b="0" lang="en-US" sz="2800" spc="-1" strike="noStrike">
+              <a:latin typeface="Arial"/>
+            </a:endParaRPr>
+          </a:p>
+        </p:txBody>
+      </p:sp>
     </p:spTree>
   </p:cSld>
   <p:timing>
@@ -4079,14 +4244,14 @@
       </p:grpSpPr>
       <p:sp>
         <p:nvSpPr>
-          <p:cNvPr id="105" name="CustomShape 1"/>
+          <p:cNvPr id="106" name="CustomShape 1"/>
           <p:cNvSpPr/>
           <p:nvPr/>
         </p:nvSpPr>
         <p:spPr>
           <a:xfrm>
             <a:off x="720000" y="300960"/>
-            <a:ext cx="8854920" cy="1261800"/>
+            <a:ext cx="8854560" cy="1261440"/>
           </a:xfrm>
           <a:prstGeom prst="rect">
             <a:avLst/>
@@ -4102,10 +4267,44 @@
           <a:effectRef idx="0"/>
           <a:fontRef idx="minor"/>
         </p:style>
+        <p:txBody>
+          <a:bodyPr lIns="0" rIns="0" tIns="0" bIns="0" anchor="ctr"/>
+          <a:p>
+            <a:pPr algn="ctr">
+              <a:lnSpc>
+                <a:spcPct val="100000"/>
+              </a:lnSpc>
+            </a:pPr>
+            <a:r>
+              <a:rPr b="0" lang="en-US" sz="4400" spc="-1" strike="noStrike">
+                <a:solidFill>
+                  <a:srgbClr val="000000"/>
+                </a:solidFill>
+                <a:latin typeface="Arial"/>
+                <a:ea typeface="DejaVu Sans"/>
+              </a:rPr>
+              <a:t>Architecture Example: DirectShow</a:t>
+            </a:r>
+            <a:br/>
+            <a:r>
+              <a:rPr b="0" lang="en-US" sz="1400" spc="-1" strike="noStrike">
+                <a:solidFill>
+                  <a:srgbClr val="000000"/>
+                </a:solidFill>
+                <a:latin typeface="Arial"/>
+                <a:ea typeface="DejaVu Sans"/>
+              </a:rPr>
+              <a:t>Pictures from Microsoft blog and Amazon</a:t>
+            </a:r>
+            <a:endParaRPr b="0" lang="en-US" sz="1400" spc="-1" strike="noStrike">
+              <a:latin typeface="Arial"/>
+            </a:endParaRPr>
+          </a:p>
+        </p:txBody>
       </p:sp>
       <p:pic>
         <p:nvPicPr>
-          <p:cNvPr id="106" name="" descr=""/>
+          <p:cNvPr id="107" name="" descr=""/>
           <p:cNvPicPr/>
           <p:nvPr/>
         </p:nvPicPr>
@@ -4115,8 +4314,8 @@
         </p:blipFill>
         <p:spPr>
           <a:xfrm>
-            <a:off x="1798920" y="182880"/>
-            <a:ext cx="6064560" cy="7131960"/>
+            <a:off x="2377440" y="3152880"/>
+            <a:ext cx="5367960" cy="2515680"/>
           </a:xfrm>
           <a:prstGeom prst="rect">
             <a:avLst/>
@@ -4135,6 +4334,104 @@
           <p:childTnLst>
             <p:seq>
               <p:cTn id="28" nodeType="mainSeq"/>
+              <p:prevCondLst>
+                <p:cond delay="0" evt="onPrev">
+                  <p:tgtEl>
+                    <p:sldTgt/>
+                  </p:tgtEl>
+                </p:cond>
+              </p:prevCondLst>
+              <p:nextCondLst>
+                <p:cond delay="0" evt="onNext">
+                  <p:tgtEl>
+                    <p:sldTgt/>
+                  </p:tgtEl>
+                </p:cond>
+              </p:nextCondLst>
+            </p:seq>
+          </p:childTnLst>
+        </p:cTn>
+      </p:par>
+    </p:tnLst>
+  </p:timing>
+</p:sld>
+</file>
+
+<file path=ppt/slides/slide15.xml><?xml version="1.0" encoding="utf-8"?>
+<p:sld xmlns:a="http://schemas.openxmlformats.org/drawingml/2006/main" xmlns:p="http://schemas.openxmlformats.org/presentationml/2006/main" xmlns:r="http://schemas.openxmlformats.org/officeDocument/2006/relationships" xmlns:p14="http://schemas.microsoft.com/office/powerpoint/2010/main" xmlns:p15="http://schemas.microsoft.com/office/powerpoint/2012/main" xmlns:mc="http://schemas.openxmlformats.org/markup-compatibility/2006">
+  <p:cSld>
+    <p:spTree>
+      <p:nvGrpSpPr>
+        <p:cNvPr id="1" name=""/>
+        <p:cNvGrpSpPr/>
+        <p:nvPr/>
+      </p:nvGrpSpPr>
+      <p:grpSpPr>
+        <a:xfrm>
+          <a:off x="0" y="0"/>
+          <a:ext cx="0" cy="0"/>
+          <a:chOff x="0" y="0"/>
+          <a:chExt cx="0" cy="0"/>
+        </a:xfrm>
+      </p:grpSpPr>
+      <p:sp>
+        <p:nvSpPr>
+          <p:cNvPr id="108" name="CustomShape 1"/>
+          <p:cNvSpPr/>
+          <p:nvPr/>
+        </p:nvSpPr>
+        <p:spPr>
+          <a:xfrm>
+            <a:off x="720000" y="300960"/>
+            <a:ext cx="8854560" cy="1261440"/>
+          </a:xfrm>
+          <a:prstGeom prst="rect">
+            <a:avLst/>
+          </a:prstGeom>
+          <a:noFill/>
+          <a:ln>
+            <a:noFill/>
+          </a:ln>
+        </p:spPr>
+        <p:style>
+          <a:lnRef idx="0"/>
+          <a:fillRef idx="0"/>
+          <a:effectRef idx="0"/>
+          <a:fontRef idx="minor"/>
+        </p:style>
+      </p:sp>
+      <p:pic>
+        <p:nvPicPr>
+          <p:cNvPr id="109" name="" descr=""/>
+          <p:cNvPicPr/>
+          <p:nvPr/>
+        </p:nvPicPr>
+        <p:blipFill>
+          <a:blip r:embed="rId1"/>
+          <a:stretch/>
+        </p:blipFill>
+        <p:spPr>
+          <a:xfrm>
+            <a:off x="1798920" y="182880"/>
+            <a:ext cx="6064200" cy="7131600"/>
+          </a:xfrm>
+          <a:prstGeom prst="rect">
+            <a:avLst/>
+          </a:prstGeom>
+          <a:ln>
+            <a:noFill/>
+          </a:ln>
+        </p:spPr>
+      </p:pic>
+    </p:spTree>
+  </p:cSld>
+  <p:timing>
+    <p:tnLst>
+      <p:par>
+        <p:cTn id="29" dur="indefinite" restart="never" nodeType="tmRoot">
+          <p:childTnLst>
+            <p:seq>
+              <p:cTn id="30" nodeType="mainSeq"/>
               <p:prevCondLst>
                 <p:cond delay="0" evt="onPrev">
                   <p:tgtEl>
@@ -4184,7 +4481,7 @@
         <p:spPr>
           <a:xfrm>
             <a:off x="720000" y="169920"/>
-            <a:ext cx="8854920" cy="1523880"/>
+            <a:ext cx="8854560" cy="1523520"/>
           </a:xfrm>
           <a:prstGeom prst="rect">
             <a:avLst/>
@@ -4228,7 +4525,7 @@
         <p:spPr>
           <a:xfrm>
             <a:off x="720000" y="2160000"/>
-            <a:ext cx="8639280" cy="4384080"/>
+            <a:ext cx="8638920" cy="4383720"/>
           </a:xfrm>
           <a:prstGeom prst="rect">
             <a:avLst/>
@@ -4247,7 +4544,7 @@
         <p:txBody>
           <a:bodyPr lIns="0" rIns="0" tIns="0" bIns="0"/>
           <a:p>
-            <a:pPr marL="432000" indent="-323280">
+            <a:pPr marL="432000" indent="-322920">
               <a:lnSpc>
                 <a:spcPct val="100000"/>
               </a:lnSpc>
@@ -4276,7 +4573,7 @@
             </a:endParaRPr>
           </a:p>
           <a:p>
-            <a:pPr marL="432000" indent="-323280">
+            <a:pPr marL="432000" indent="-322920">
               <a:lnSpc>
                 <a:spcPct val="100000"/>
               </a:lnSpc>
@@ -4305,7 +4602,7 @@
             </a:endParaRPr>
           </a:p>
           <a:p>
-            <a:pPr marL="432000" indent="-323280">
+            <a:pPr marL="432000" indent="-322920">
               <a:lnSpc>
                 <a:spcPct val="100000"/>
               </a:lnSpc>
@@ -4334,7 +4631,7 @@
             </a:endParaRPr>
           </a:p>
           <a:p>
-            <a:pPr marL="432000" indent="-323280">
+            <a:pPr marL="432000" indent="-322920">
               <a:lnSpc>
                 <a:spcPct val="100000"/>
               </a:lnSpc>
@@ -4363,7 +4660,7 @@
             </a:endParaRPr>
           </a:p>
           <a:p>
-            <a:pPr marL="432000" indent="-323280">
+            <a:pPr marL="432000" indent="-322920">
               <a:lnSpc>
                 <a:spcPct val="100000"/>
               </a:lnSpc>
@@ -4392,7 +4689,7 @@
             </a:endParaRPr>
           </a:p>
           <a:p>
-            <a:pPr marL="432000" indent="-323280">
+            <a:pPr marL="432000" indent="-322920">
               <a:lnSpc>
                 <a:spcPct val="100000"/>
               </a:lnSpc>
@@ -4480,7 +4777,7 @@
         <p:spPr>
           <a:xfrm>
             <a:off x="720000" y="169920"/>
-            <a:ext cx="8854920" cy="1523880"/>
+            <a:ext cx="8854560" cy="1523520"/>
           </a:xfrm>
           <a:prstGeom prst="rect">
             <a:avLst/>
@@ -4524,7 +4821,7 @@
         <p:spPr>
           <a:xfrm>
             <a:off x="720000" y="2160000"/>
-            <a:ext cx="8639280" cy="4384080"/>
+            <a:ext cx="8638920" cy="4383720"/>
           </a:xfrm>
           <a:prstGeom prst="rect">
             <a:avLst/>
@@ -4543,7 +4840,7 @@
         <p:txBody>
           <a:bodyPr lIns="0" rIns="0" tIns="0" bIns="0"/>
           <a:p>
-            <a:pPr marL="432000" indent="-323280">
+            <a:pPr marL="432000" indent="-322920">
               <a:lnSpc>
                 <a:spcPct val="100000"/>
               </a:lnSpc>
@@ -4572,7 +4869,7 @@
             </a:endParaRPr>
           </a:p>
           <a:p>
-            <a:pPr marL="432000" indent="-323280">
+            <a:pPr marL="432000" indent="-322920">
               <a:lnSpc>
                 <a:spcPct val="100000"/>
               </a:lnSpc>
@@ -4601,7 +4898,7 @@
             </a:endParaRPr>
           </a:p>
           <a:p>
-            <a:pPr marL="432000" indent="-323280">
+            <a:pPr marL="432000" indent="-322920">
               <a:lnSpc>
                 <a:spcPct val="100000"/>
               </a:lnSpc>
@@ -4689,7 +4986,7 @@
         <p:spPr>
           <a:xfrm>
             <a:off x="720000" y="169920"/>
-            <a:ext cx="8854920" cy="1523880"/>
+            <a:ext cx="8854560" cy="1523520"/>
           </a:xfrm>
           <a:prstGeom prst="rect">
             <a:avLst/>
@@ -4744,7 +5041,7 @@
         <p:spPr>
           <a:xfrm>
             <a:off x="720000" y="2160000"/>
-            <a:ext cx="8639280" cy="4384080"/>
+            <a:ext cx="8638920" cy="4383720"/>
           </a:xfrm>
           <a:prstGeom prst="rect">
             <a:avLst/>
@@ -4763,7 +5060,7 @@
         <p:txBody>
           <a:bodyPr lIns="0" rIns="0" tIns="0" bIns="0"/>
           <a:p>
-            <a:pPr marL="432000" indent="-323280">
+            <a:pPr marL="432000" indent="-322920">
               <a:lnSpc>
                 <a:spcPct val="100000"/>
               </a:lnSpc>
@@ -4792,7 +5089,7 @@
             </a:endParaRPr>
           </a:p>
           <a:p>
-            <a:pPr marL="432000" indent="-323280">
+            <a:pPr marL="432000" indent="-322920">
               <a:lnSpc>
                 <a:spcPct val="100000"/>
               </a:lnSpc>
@@ -4821,7 +5118,7 @@
             </a:endParaRPr>
           </a:p>
           <a:p>
-            <a:pPr marL="432000" indent="-323280">
+            <a:pPr marL="432000" indent="-322920">
               <a:lnSpc>
                 <a:spcPct val="100000"/>
               </a:lnSpc>
@@ -4850,7 +5147,7 @@
             </a:endParaRPr>
           </a:p>
           <a:p>
-            <a:pPr marL="432000" indent="-323280">
+            <a:pPr marL="432000" indent="-322920">
               <a:lnSpc>
                 <a:spcPct val="100000"/>
               </a:lnSpc>
@@ -4879,7 +5176,7 @@
             </a:endParaRPr>
           </a:p>
           <a:p>
-            <a:pPr marL="432000" indent="-323280">
+            <a:pPr marL="432000" indent="-322920">
               <a:lnSpc>
                 <a:spcPct val="100000"/>
               </a:lnSpc>
@@ -4967,7 +5264,7 @@
         <p:spPr>
           <a:xfrm>
             <a:off x="720000" y="169920"/>
-            <a:ext cx="8854920" cy="1523880"/>
+            <a:ext cx="8854560" cy="1523520"/>
           </a:xfrm>
           <a:prstGeom prst="rect">
             <a:avLst/>
@@ -5022,7 +5319,7 @@
         <p:spPr>
           <a:xfrm>
             <a:off x="720000" y="2160000"/>
-            <a:ext cx="8639280" cy="4384080"/>
+            <a:ext cx="8638920" cy="4383720"/>
           </a:xfrm>
           <a:prstGeom prst="rect">
             <a:avLst/>
@@ -5041,7 +5338,7 @@
         <p:txBody>
           <a:bodyPr lIns="0" rIns="0" tIns="0" bIns="0"/>
           <a:p>
-            <a:pPr marL="432000" indent="-323280">
+            <a:pPr marL="432000" indent="-322920">
               <a:lnSpc>
                 <a:spcPct val="100000"/>
               </a:lnSpc>
@@ -5070,7 +5367,7 @@
             </a:endParaRPr>
           </a:p>
           <a:p>
-            <a:pPr marL="432000" indent="-323280">
+            <a:pPr marL="432000" indent="-322920">
               <a:lnSpc>
                 <a:spcPct val="100000"/>
               </a:lnSpc>
@@ -5092,14 +5389,14 @@
                 <a:latin typeface="Open Sans"/>
                 <a:ea typeface="DejaVu Sans"/>
               </a:rPr>
-              <a:t>Using proprietary Elecard Video Capture boards: created simple 1-to-1 video conferencing software prototype for Windows 3.11 in C++</a:t>
+              <a:t>Using proprietary Elecard Video Capture boards: created simple 1-to-1 video conferencing software for Windows 3.11 in C++</a:t>
             </a:r>
             <a:endParaRPr b="0" lang="en-US" sz="2800" spc="-1" strike="noStrike">
               <a:latin typeface="Arial"/>
             </a:endParaRPr>
           </a:p>
           <a:p>
-            <a:pPr marL="432000" indent="-323280">
+            <a:pPr marL="432000" indent="-322920">
               <a:lnSpc>
                 <a:spcPct val="100000"/>
               </a:lnSpc>
@@ -5187,7 +5484,7 @@
         <p:spPr>
           <a:xfrm>
             <a:off x="720000" y="300960"/>
-            <a:ext cx="8854920" cy="1261800"/>
+            <a:ext cx="8854560" cy="1261440"/>
           </a:xfrm>
           <a:prstGeom prst="rect">
             <a:avLst/>
@@ -5231,7 +5528,7 @@
         <p:spPr>
           <a:xfrm>
             <a:off x="720000" y="2160000"/>
-            <a:ext cx="8639280" cy="4384080"/>
+            <a:ext cx="8638920" cy="4383720"/>
           </a:xfrm>
           <a:prstGeom prst="rect">
             <a:avLst/>
@@ -5261,7 +5558,7 @@
         <p:spPr>
           <a:xfrm>
             <a:off x="822960" y="1371600"/>
-            <a:ext cx="7716240" cy="5360400"/>
+            <a:ext cx="7715880" cy="5360040"/>
           </a:xfrm>
           <a:prstGeom prst="rect">
             <a:avLst/>
@@ -5329,7 +5626,7 @@
         <p:spPr>
           <a:xfrm>
             <a:off x="720000" y="169920"/>
-            <a:ext cx="8854920" cy="1523880"/>
+            <a:ext cx="8854560" cy="1523520"/>
           </a:xfrm>
           <a:prstGeom prst="rect">
             <a:avLst/>
@@ -5384,7 +5681,7 @@
         <p:spPr>
           <a:xfrm>
             <a:off x="720000" y="2160000"/>
-            <a:ext cx="8639280" cy="4384080"/>
+            <a:ext cx="8638920" cy="4383720"/>
           </a:xfrm>
           <a:prstGeom prst="rect">
             <a:avLst/>
@@ -5403,7 +5700,7 @@
         <p:txBody>
           <a:bodyPr lIns="0" rIns="0" tIns="0" bIns="0"/>
           <a:p>
-            <a:pPr marL="432000" indent="-323280">
+            <a:pPr marL="432000" indent="-322920">
               <a:lnSpc>
                 <a:spcPct val="100000"/>
               </a:lnSpc>
@@ -5432,7 +5729,7 @@
             </a:endParaRPr>
           </a:p>
           <a:p>
-            <a:pPr marL="432000" indent="-323280">
+            <a:pPr marL="432000" indent="-322920">
               <a:lnSpc>
                 <a:spcPct val="100000"/>
               </a:lnSpc>
@@ -5461,7 +5758,7 @@
             </a:endParaRPr>
           </a:p>
           <a:p>
-            <a:pPr marL="432000" indent="-323280">
+            <a:pPr marL="432000" indent="-322920">
               <a:lnSpc>
                 <a:spcPct val="100000"/>
               </a:lnSpc>
@@ -5490,7 +5787,7 @@
             </a:endParaRPr>
           </a:p>
           <a:p>
-            <a:pPr marL="432000" indent="-323280">
+            <a:pPr marL="432000" indent="-322920">
               <a:lnSpc>
                 <a:spcPct val="100000"/>
               </a:lnSpc>
@@ -5512,14 +5809,14 @@
                 <a:latin typeface="Open Sans"/>
                 <a:ea typeface="DejaVu Sans"/>
               </a:rPr>
-              <a:t>Created prototype multi-user distance learning software for Windows. Both realtime (multicast) and on-demand.</a:t>
+              <a:t>Created multi-user distance learning software for Windows. Both realtime (multicast) and on-demand.</a:t>
             </a:r>
             <a:endParaRPr b="0" lang="en-US" sz="2800" spc="-1" strike="noStrike">
               <a:latin typeface="Arial"/>
             </a:endParaRPr>
           </a:p>
           <a:p>
-            <a:pPr marL="432000" indent="-323280">
+            <a:pPr marL="432000" indent="-322920">
               <a:lnSpc>
                 <a:spcPct val="100000"/>
               </a:lnSpc>
@@ -5607,7 +5904,7 @@
         <p:spPr>
           <a:xfrm>
             <a:off x="720000" y="169920"/>
-            <a:ext cx="8854920" cy="1523880"/>
+            <a:ext cx="8854560" cy="1523520"/>
           </a:xfrm>
           <a:prstGeom prst="rect">
             <a:avLst/>
@@ -5634,7 +5931,7 @@
                 <a:latin typeface="Open Sans"/>
                 <a:ea typeface="DejaVu Sans"/>
               </a:rPr>
-              <a:t>2000: Moved to USA</a:t>
+              <a:t>Continued studying C++</a:t>
             </a:r>
             <a:r>
               <a:rPr b="0" lang="en-US" sz="1800" spc="-1" strike="noStrike">
@@ -5661,7 +5958,7 @@
         <p:spPr>
           <a:xfrm>
             <a:off x="720000" y="2160000"/>
-            <a:ext cx="8639280" cy="4384080"/>
+            <a:ext cx="8638920" cy="4383720"/>
           </a:xfrm>
           <a:prstGeom prst="rect">
             <a:avLst/>
@@ -5678,6 +5975,29 @@
           <a:fontRef idx="minor"/>
         </p:style>
       </p:sp>
+      <p:pic>
+        <p:nvPicPr>
+          <p:cNvPr id="95" name="" descr=""/>
+          <p:cNvPicPr/>
+          <p:nvPr/>
+        </p:nvPicPr>
+        <p:blipFill>
+          <a:blip r:embed="rId1"/>
+          <a:stretch/>
+        </p:blipFill>
+        <p:spPr>
+          <a:xfrm>
+            <a:off x="1351080" y="1463040"/>
+            <a:ext cx="7518600" cy="5639040"/>
+          </a:xfrm>
+          <a:prstGeom prst="rect">
+            <a:avLst/>
+          </a:prstGeom>
+          <a:ln>
+            <a:noFill/>
+          </a:ln>
+        </p:spPr>
+      </p:pic>
     </p:spTree>
   </p:cSld>
   <p:timing>
@@ -5729,14 +6049,14 @@
       </p:grpSpPr>
       <p:sp>
         <p:nvSpPr>
-          <p:cNvPr id="95" name="CustomShape 1"/>
+          <p:cNvPr id="96" name="CustomShape 1"/>
           <p:cNvSpPr/>
           <p:nvPr/>
         </p:nvSpPr>
         <p:spPr>
           <a:xfrm>
             <a:off x="720000" y="169920"/>
-            <a:ext cx="8854920" cy="1523880"/>
+            <a:ext cx="8854560" cy="1523520"/>
           </a:xfrm>
           <a:prstGeom prst="rect">
             <a:avLst/>
@@ -5763,7 +6083,7 @@
                 <a:latin typeface="Open Sans"/>
                 <a:ea typeface="DejaVu Sans"/>
               </a:rPr>
-              <a:t>2000-2009: Software Engineer, Architect, Team Lead at Lenel</a:t>
+              <a:t>2000: Moved to USA</a:t>
             </a:r>
             <a:r>
               <a:rPr b="0" lang="en-US" sz="1800" spc="-1" strike="noStrike">
@@ -5783,14 +6103,14 @@
       </p:sp>
       <p:sp>
         <p:nvSpPr>
-          <p:cNvPr id="96" name="CustomShape 2"/>
+          <p:cNvPr id="97" name="CustomShape 2"/>
           <p:cNvSpPr/>
           <p:nvPr/>
         </p:nvSpPr>
         <p:spPr>
           <a:xfrm>
             <a:off x="720000" y="2160000"/>
-            <a:ext cx="8639280" cy="4384080"/>
+            <a:ext cx="8638920" cy="4383720"/>
           </a:xfrm>
           <a:prstGeom prst="rect">
             <a:avLst/>
@@ -5806,154 +6126,6 @@
           <a:effectRef idx="0"/>
           <a:fontRef idx="minor"/>
         </p:style>
-        <p:txBody>
-          <a:bodyPr lIns="0" rIns="0" tIns="0" bIns="0"/>
-          <a:p>
-            <a:pPr marL="432000" indent="-323280">
-              <a:lnSpc>
-                <a:spcPct val="100000"/>
-              </a:lnSpc>
-              <a:spcAft>
-                <a:spcPts val="1414"/>
-              </a:spcAft>
-              <a:buClr>
-                <a:srgbClr val="ef2929"/>
-              </a:buClr>
-              <a:buSzPct val="45000"/>
-              <a:buFont typeface="Wingdings" charset="2"/>
-              <a:buChar char=""/>
-            </a:pPr>
-            <a:r>
-              <a:rPr b="0" lang="en-US" sz="2800" spc="-1" strike="noStrike">
-                <a:solidFill>
-                  <a:srgbClr val="333333"/>
-                </a:solidFill>
-                <a:latin typeface="Open Sans"/>
-                <a:ea typeface="DejaVu Sans"/>
-              </a:rPr>
-              <a:t>Windows-based software design &amp; development. Mainly C++, some C#, JavaScript</a:t>
-            </a:r>
-            <a:endParaRPr b="0" lang="en-US" sz="2800" spc="-1" strike="noStrike">
-              <a:latin typeface="Arial"/>
-            </a:endParaRPr>
-          </a:p>
-          <a:p>
-            <a:pPr marL="432000" indent="-323280">
-              <a:lnSpc>
-                <a:spcPct val="100000"/>
-              </a:lnSpc>
-              <a:spcAft>
-                <a:spcPts val="1414"/>
-              </a:spcAft>
-              <a:buClr>
-                <a:srgbClr val="ef2929"/>
-              </a:buClr>
-              <a:buSzPct val="45000"/>
-              <a:buFont typeface="Wingdings" charset="2"/>
-              <a:buChar char=""/>
-            </a:pPr>
-            <a:r>
-              <a:rPr b="0" lang="en-US" sz="2800" spc="-1" strike="noStrike">
-                <a:solidFill>
-                  <a:srgbClr val="333333"/>
-                </a:solidFill>
-                <a:latin typeface="Open Sans"/>
-                <a:ea typeface="DejaVu Sans"/>
-              </a:rPr>
-              <a:t>Integrated third-party hardware into the solution</a:t>
-            </a:r>
-            <a:endParaRPr b="0" lang="en-US" sz="2800" spc="-1" strike="noStrike">
-              <a:latin typeface="Arial"/>
-            </a:endParaRPr>
-          </a:p>
-          <a:p>
-            <a:pPr marL="432000" indent="-323280">
-              <a:lnSpc>
-                <a:spcPct val="100000"/>
-              </a:lnSpc>
-              <a:spcAft>
-                <a:spcPts val="1414"/>
-              </a:spcAft>
-              <a:buClr>
-                <a:srgbClr val="ef2929"/>
-              </a:buClr>
-              <a:buSzPct val="45000"/>
-              <a:buFont typeface="Wingdings" charset="2"/>
-              <a:buChar char=""/>
-            </a:pPr>
-            <a:r>
-              <a:rPr b="0" lang="en-US" sz="2800" spc="-1" strike="noStrike">
-                <a:solidFill>
-                  <a:srgbClr val="333333"/>
-                </a:solidFill>
-                <a:latin typeface="Open Sans"/>
-                <a:ea typeface="DejaVu Sans"/>
-              </a:rPr>
-              <a:t>Designed and implemented software architecture that allowed to increase programmer’s productivity about 100 times</a:t>
-            </a:r>
-            <a:endParaRPr b="0" lang="en-US" sz="2800" spc="-1" strike="noStrike">
-              <a:latin typeface="Arial"/>
-            </a:endParaRPr>
-          </a:p>
-          <a:p>
-            <a:pPr marL="432000" indent="-323280">
-              <a:lnSpc>
-                <a:spcPct val="100000"/>
-              </a:lnSpc>
-              <a:spcAft>
-                <a:spcPts val="1414"/>
-              </a:spcAft>
-              <a:buClr>
-                <a:srgbClr val="ef2929"/>
-              </a:buClr>
-              <a:buSzPct val="45000"/>
-              <a:buFont typeface="Wingdings" charset="2"/>
-              <a:buChar char=""/>
-            </a:pPr>
-            <a:r>
-              <a:rPr b="0" lang="en-US" sz="2800" spc="-1" strike="noStrike">
-                <a:solidFill>
-                  <a:srgbClr val="333333"/>
-                </a:solidFill>
-                <a:latin typeface="Open Sans"/>
-                <a:ea typeface="DejaVu Sans"/>
-              </a:rPr>
-              <a:t>Lead team of 7 software engineers through 4 ship cycles of the software</a:t>
-            </a:r>
-            <a:endParaRPr b="0" lang="en-US" sz="2800" spc="-1" strike="noStrike">
-              <a:latin typeface="Arial"/>
-            </a:endParaRPr>
-          </a:p>
-          <a:p>
-            <a:pPr marL="432000" indent="-323280">
-              <a:lnSpc>
-                <a:spcPct val="100000"/>
-              </a:lnSpc>
-              <a:spcAft>
-                <a:spcPts val="1414"/>
-              </a:spcAft>
-              <a:buClr>
-                <a:srgbClr val="ef2929"/>
-              </a:buClr>
-              <a:buSzPct val="45000"/>
-              <a:buFont typeface="Wingdings" charset="2"/>
-              <a:buChar char=""/>
-            </a:pPr>
-            <a:r>
-              <a:rPr b="0" lang="en-US" sz="2800" spc="-1" strike="noStrike">
-                <a:solidFill>
-                  <a:srgbClr val="333333"/>
-                </a:solidFill>
-                <a:latin typeface="Open Sans"/>
-                <a:ea typeface="DejaVu Sans"/>
-              </a:rPr>
-              <a:t>Defined product architecture; security, test-driven development guidelines, ...</a:t>
-            </a:r>
-            <a:endParaRPr b="0" lang="en-US" sz="2800" spc="-1" strike="noStrike">
-              <a:latin typeface="Arial"/>
-            </a:endParaRPr>
-          </a:p>
-        </p:txBody>
       </p:sp>
     </p:spTree>
   </p:cSld>
